--- a/iotbasedairqualitymonitoringsystem.pptx
+++ b/iotbasedairqualitymonitoringsystem.pptx
@@ -5,7 +5,7 @@
     <p:sldMasterId id="2147484036" r:id="rId1"/>
   </p:sldMasterIdLst>
   <p:notesMasterIdLst>
-    <p:notesMasterId r:id="rId16"/>
+    <p:notesMasterId r:id="rId17"/>
   </p:notesMasterIdLst>
   <p:sldIdLst>
     <p:sldId id="256" r:id="rId2"/>
@@ -20,8 +20,9 @@
     <p:sldId id="261" r:id="rId11"/>
     <p:sldId id="271" r:id="rId12"/>
     <p:sldId id="263" r:id="rId13"/>
-    <p:sldId id="264" r:id="rId14"/>
-    <p:sldId id="273" r:id="rId15"/>
+    <p:sldId id="274" r:id="rId14"/>
+    <p:sldId id="264" r:id="rId15"/>
+    <p:sldId id="273" r:id="rId16"/>
   </p:sldIdLst>
   <p:sldSz cx="12192000" cy="6858000"/>
   <p:notesSz cx="6858000" cy="9144000"/>
@@ -10949,6 +10950,3473 @@
           <a:chExt cx="0" cy="0"/>
         </a:xfrm>
       </p:grpSpPr>
+      <p:graphicFrame>
+        <p:nvGraphicFramePr>
+          <p:cNvPr id="4" name="Table 3"/>
+          <p:cNvGraphicFramePr>
+            <a:graphicFrameLocks noGrp="1"/>
+          </p:cNvGraphicFramePr>
+          <p:nvPr>
+            <p:extLst>
+              <p:ext uri="{D42A27DB-BD31-4B8C-83A1-F6EECF244321}">
+                <p14:modId xmlns:p14="http://schemas.microsoft.com/office/powerpoint/2010/main" val="1453724005"/>
+              </p:ext>
+            </p:extLst>
+          </p:nvPr>
+        </p:nvGraphicFramePr>
+        <p:xfrm>
+          <a:off x="2255521" y="219465"/>
+          <a:ext cx="9192767" cy="6497919"/>
+        </p:xfrm>
+        <a:graphic>
+          <a:graphicData uri="http://schemas.openxmlformats.org/drawingml/2006/table">
+            <a:tbl>
+              <a:tblPr>
+                <a:tableStyleId>{5C22544A-7EE6-4342-B048-85BDC9FD1C3A}</a:tableStyleId>
+              </a:tblPr>
+              <a:tblGrid>
+                <a:gridCol w="734197">
+                  <a:extLst>
+                    <a:ext uri="{9D8B030D-6E8A-4147-A177-3AD203B41FA5}">
+                      <a16:colId xmlns:a16="http://schemas.microsoft.com/office/drawing/2014/main" val="4237218066"/>
+                    </a:ext>
+                  </a:extLst>
+                </a:gridCol>
+                <a:gridCol w="1468397">
+                  <a:extLst>
+                    <a:ext uri="{9D8B030D-6E8A-4147-A177-3AD203B41FA5}">
+                      <a16:colId xmlns:a16="http://schemas.microsoft.com/office/drawing/2014/main" val="843322446"/>
+                    </a:ext>
+                  </a:extLst>
+                </a:gridCol>
+                <a:gridCol w="3976905">
+                  <a:extLst>
+                    <a:ext uri="{9D8B030D-6E8A-4147-A177-3AD203B41FA5}">
+                      <a16:colId xmlns:a16="http://schemas.microsoft.com/office/drawing/2014/main" val="4253951112"/>
+                    </a:ext>
+                  </a:extLst>
+                </a:gridCol>
+                <a:gridCol w="1575466">
+                  <a:extLst>
+                    <a:ext uri="{9D8B030D-6E8A-4147-A177-3AD203B41FA5}">
+                      <a16:colId xmlns:a16="http://schemas.microsoft.com/office/drawing/2014/main" val="875289998"/>
+                    </a:ext>
+                  </a:extLst>
+                </a:gridCol>
+                <a:gridCol w="703605">
+                  <a:extLst>
+                    <a:ext uri="{9D8B030D-6E8A-4147-A177-3AD203B41FA5}">
+                      <a16:colId xmlns:a16="http://schemas.microsoft.com/office/drawing/2014/main" val="4120883178"/>
+                    </a:ext>
+                  </a:extLst>
+                </a:gridCol>
+                <a:gridCol w="734197">
+                  <a:extLst>
+                    <a:ext uri="{9D8B030D-6E8A-4147-A177-3AD203B41FA5}">
+                      <a16:colId xmlns:a16="http://schemas.microsoft.com/office/drawing/2014/main" val="2125016673"/>
+                    </a:ext>
+                  </a:extLst>
+                </a:gridCol>
+              </a:tblGrid>
+              <a:tr h="211655">
+                <a:tc>
+                  <a:txBody>
+                    <a:bodyPr/>
+                    <a:lstStyle/>
+                    <a:p>
+                      <a:pPr algn="l" fontAlgn="b"/>
+                      <a:r>
+                        <a:rPr lang="en-US" sz="1600" u="none" strike="noStrike">
+                          <a:effectLst/>
+                        </a:rPr>
+                        <a:t>Serial No</a:t>
+                      </a:r>
+                      <a:endParaRPr lang="en-US" sz="1600" b="0" i="0" u="none" strike="noStrike">
+                        <a:solidFill>
+                          <a:srgbClr val="000000"/>
+                        </a:solidFill>
+                        <a:effectLst/>
+                        <a:latin typeface="Calibri" panose="020F0502020204030204" pitchFamily="34" charset="0"/>
+                      </a:endParaRPr>
+                    </a:p>
+                  </a:txBody>
+                  <a:tcPr marL="6873" marR="6873" marT="6873" marB="0" anchor="b"/>
+                </a:tc>
+                <a:tc>
+                  <a:txBody>
+                    <a:bodyPr/>
+                    <a:lstStyle/>
+                    <a:p>
+                      <a:pPr algn="l" fontAlgn="b"/>
+                      <a:r>
+                        <a:rPr lang="en-US" sz="1600" u="none" strike="noStrike">
+                          <a:effectLst/>
+                        </a:rPr>
+                        <a:t>Component</a:t>
+                      </a:r>
+                      <a:endParaRPr lang="en-US" sz="1600" b="0" i="0" u="none" strike="noStrike">
+                        <a:solidFill>
+                          <a:srgbClr val="000000"/>
+                        </a:solidFill>
+                        <a:effectLst/>
+                        <a:latin typeface="Calibri" panose="020F0502020204030204" pitchFamily="34" charset="0"/>
+                      </a:endParaRPr>
+                    </a:p>
+                  </a:txBody>
+                  <a:tcPr marL="6873" marR="6873" marT="6873" marB="0" anchor="b"/>
+                </a:tc>
+                <a:tc>
+                  <a:txBody>
+                    <a:bodyPr/>
+                    <a:lstStyle/>
+                    <a:p>
+                      <a:pPr algn="l" fontAlgn="b"/>
+                      <a:r>
+                        <a:rPr lang="en-US" sz="1600" u="none" strike="noStrike" dirty="0">
+                          <a:effectLst/>
+                        </a:rPr>
+                        <a:t>DESCRIPTION</a:t>
+                      </a:r>
+                      <a:endParaRPr lang="en-US" sz="1600" b="0" i="0" u="none" strike="noStrike" dirty="0">
+                        <a:solidFill>
+                          <a:srgbClr val="000000"/>
+                        </a:solidFill>
+                        <a:effectLst/>
+                        <a:latin typeface="Calibri" panose="020F0502020204030204" pitchFamily="34" charset="0"/>
+                      </a:endParaRPr>
+                    </a:p>
+                  </a:txBody>
+                  <a:tcPr marL="6873" marR="6873" marT="6873" marB="0" anchor="b"/>
+                </a:tc>
+                <a:tc>
+                  <a:txBody>
+                    <a:bodyPr/>
+                    <a:lstStyle/>
+                    <a:p>
+                      <a:pPr algn="l" fontAlgn="b"/>
+                      <a:r>
+                        <a:rPr lang="en-US" sz="1600" u="none" strike="noStrike">
+                          <a:effectLst/>
+                        </a:rPr>
+                        <a:t>Unit cost</a:t>
+                      </a:r>
+                      <a:endParaRPr lang="en-US" sz="1600" b="0" i="0" u="none" strike="noStrike">
+                        <a:solidFill>
+                          <a:srgbClr val="000000"/>
+                        </a:solidFill>
+                        <a:effectLst/>
+                        <a:latin typeface="Calibri" panose="020F0502020204030204" pitchFamily="34" charset="0"/>
+                      </a:endParaRPr>
+                    </a:p>
+                  </a:txBody>
+                  <a:tcPr marL="6873" marR="6873" marT="6873" marB="0" anchor="b"/>
+                </a:tc>
+                <a:tc>
+                  <a:txBody>
+                    <a:bodyPr/>
+                    <a:lstStyle/>
+                    <a:p>
+                      <a:pPr algn="l" fontAlgn="b"/>
+                      <a:r>
+                        <a:rPr lang="en-US" sz="1600" u="none" strike="noStrike">
+                          <a:effectLst/>
+                        </a:rPr>
+                        <a:t>Quantity</a:t>
+                      </a:r>
+                      <a:endParaRPr lang="en-US" sz="1600" b="0" i="0" u="none" strike="noStrike">
+                        <a:solidFill>
+                          <a:srgbClr val="000000"/>
+                        </a:solidFill>
+                        <a:effectLst/>
+                        <a:latin typeface="Calibri" panose="020F0502020204030204" pitchFamily="34" charset="0"/>
+                      </a:endParaRPr>
+                    </a:p>
+                  </a:txBody>
+                  <a:tcPr marL="6873" marR="6873" marT="6873" marB="0" anchor="b"/>
+                </a:tc>
+                <a:tc>
+                  <a:txBody>
+                    <a:bodyPr/>
+                    <a:lstStyle/>
+                    <a:p>
+                      <a:pPr algn="l" fontAlgn="b"/>
+                      <a:r>
+                        <a:rPr lang="en-US" sz="1600" u="none" strike="noStrike">
+                          <a:effectLst/>
+                        </a:rPr>
+                        <a:t>Total</a:t>
+                      </a:r>
+                      <a:endParaRPr lang="en-US" sz="1600" b="0" i="0" u="none" strike="noStrike">
+                        <a:solidFill>
+                          <a:srgbClr val="000000"/>
+                        </a:solidFill>
+                        <a:effectLst/>
+                        <a:latin typeface="Calibri" panose="020F0502020204030204" pitchFamily="34" charset="0"/>
+                      </a:endParaRPr>
+                    </a:p>
+                  </a:txBody>
+                  <a:tcPr marL="6873" marR="6873" marT="6873" marB="0" anchor="b"/>
+                </a:tc>
+                <a:extLst>
+                  <a:ext uri="{0D108BD9-81ED-4DB2-BD59-A6C34878D82A}">
+                    <a16:rowId xmlns:a16="http://schemas.microsoft.com/office/drawing/2014/main" val="362885308"/>
+                  </a:ext>
+                </a:extLst>
+              </a:tr>
+              <a:tr h="211655">
+                <a:tc>
+                  <a:txBody>
+                    <a:bodyPr/>
+                    <a:lstStyle/>
+                    <a:p>
+                      <a:pPr algn="r" fontAlgn="b"/>
+                      <a:r>
+                        <a:rPr lang="en-US" sz="1600" u="none" strike="noStrike">
+                          <a:effectLst/>
+                        </a:rPr>
+                        <a:t>1</a:t>
+                      </a:r>
+                      <a:endParaRPr lang="en-US" sz="1600" b="0" i="0" u="none" strike="noStrike">
+                        <a:solidFill>
+                          <a:srgbClr val="000000"/>
+                        </a:solidFill>
+                        <a:effectLst/>
+                        <a:latin typeface="Calibri" panose="020F0502020204030204" pitchFamily="34" charset="0"/>
+                      </a:endParaRPr>
+                    </a:p>
+                  </a:txBody>
+                  <a:tcPr marL="6873" marR="6873" marT="6873" marB="0" anchor="b"/>
+                </a:tc>
+                <a:tc>
+                  <a:txBody>
+                    <a:bodyPr/>
+                    <a:lstStyle/>
+                    <a:p>
+                      <a:pPr algn="l" fontAlgn="b"/>
+                      <a:r>
+                        <a:rPr lang="en-US" sz="1600" u="none" strike="noStrike" dirty="0">
+                          <a:effectLst/>
+                        </a:rPr>
+                        <a:t>ESP 32</a:t>
+                      </a:r>
+                      <a:endParaRPr lang="en-US" sz="1600" b="0" i="0" u="none" strike="noStrike" dirty="0">
+                        <a:solidFill>
+                          <a:srgbClr val="000000"/>
+                        </a:solidFill>
+                        <a:effectLst/>
+                        <a:latin typeface="Calibri" panose="020F0502020204030204" pitchFamily="34" charset="0"/>
+                      </a:endParaRPr>
+                    </a:p>
+                  </a:txBody>
+                  <a:tcPr marL="6873" marR="6873" marT="6873" marB="0" anchor="b"/>
+                </a:tc>
+                <a:tc>
+                  <a:txBody>
+                    <a:bodyPr/>
+                    <a:lstStyle/>
+                    <a:p>
+                      <a:pPr algn="l" fontAlgn="b"/>
+                      <a:r>
+                        <a:rPr lang="en-US" sz="1600" u="none" strike="noStrike">
+                          <a:effectLst/>
+                        </a:rPr>
+                        <a:t>DOIT ESP32 DEVKIT V1</a:t>
+                      </a:r>
+                      <a:endParaRPr lang="en-US" sz="1600" b="0" i="0" u="none" strike="noStrike">
+                        <a:solidFill>
+                          <a:srgbClr val="000000"/>
+                        </a:solidFill>
+                        <a:effectLst/>
+                        <a:latin typeface="Calibri" panose="020F0502020204030204" pitchFamily="34" charset="0"/>
+                      </a:endParaRPr>
+                    </a:p>
+                  </a:txBody>
+                  <a:tcPr marL="6873" marR="6873" marT="6873" marB="0" anchor="b"/>
+                </a:tc>
+                <a:tc>
+                  <a:txBody>
+                    <a:bodyPr/>
+                    <a:lstStyle/>
+                    <a:p>
+                      <a:pPr algn="r" fontAlgn="b"/>
+                      <a:r>
+                        <a:rPr lang="en-US" sz="1600" u="none" strike="noStrike">
+                          <a:effectLst/>
+                        </a:rPr>
+                        <a:t>1500</a:t>
+                      </a:r>
+                      <a:endParaRPr lang="en-US" sz="1600" b="0" i="0" u="none" strike="noStrike">
+                        <a:solidFill>
+                          <a:srgbClr val="000000"/>
+                        </a:solidFill>
+                        <a:effectLst/>
+                        <a:latin typeface="Calibri" panose="020F0502020204030204" pitchFamily="34" charset="0"/>
+                      </a:endParaRPr>
+                    </a:p>
+                  </a:txBody>
+                  <a:tcPr marL="6873" marR="6873" marT="6873" marB="0" anchor="b"/>
+                </a:tc>
+                <a:tc>
+                  <a:txBody>
+                    <a:bodyPr/>
+                    <a:lstStyle/>
+                    <a:p>
+                      <a:pPr algn="r" fontAlgn="b"/>
+                      <a:r>
+                        <a:rPr lang="en-US" sz="1600" u="none" strike="noStrike">
+                          <a:effectLst/>
+                        </a:rPr>
+                        <a:t>1</a:t>
+                      </a:r>
+                      <a:endParaRPr lang="en-US" sz="1600" b="0" i="0" u="none" strike="noStrike">
+                        <a:solidFill>
+                          <a:srgbClr val="000000"/>
+                        </a:solidFill>
+                        <a:effectLst/>
+                        <a:latin typeface="Calibri" panose="020F0502020204030204" pitchFamily="34" charset="0"/>
+                      </a:endParaRPr>
+                    </a:p>
+                  </a:txBody>
+                  <a:tcPr marL="6873" marR="6873" marT="6873" marB="0" anchor="b"/>
+                </a:tc>
+                <a:tc>
+                  <a:txBody>
+                    <a:bodyPr/>
+                    <a:lstStyle/>
+                    <a:p>
+                      <a:pPr algn="r" fontAlgn="b"/>
+                      <a:r>
+                        <a:rPr lang="en-US" sz="1600" u="none" strike="noStrike">
+                          <a:effectLst/>
+                        </a:rPr>
+                        <a:t>1500</a:t>
+                      </a:r>
+                      <a:endParaRPr lang="en-US" sz="1600" b="0" i="0" u="none" strike="noStrike">
+                        <a:solidFill>
+                          <a:srgbClr val="000000"/>
+                        </a:solidFill>
+                        <a:effectLst/>
+                        <a:latin typeface="Calibri" panose="020F0502020204030204" pitchFamily="34" charset="0"/>
+                      </a:endParaRPr>
+                    </a:p>
+                  </a:txBody>
+                  <a:tcPr marL="6873" marR="6873" marT="6873" marB="0" anchor="b"/>
+                </a:tc>
+                <a:extLst>
+                  <a:ext uri="{0D108BD9-81ED-4DB2-BD59-A6C34878D82A}">
+                    <a16:rowId xmlns:a16="http://schemas.microsoft.com/office/drawing/2014/main" val="748600550"/>
+                  </a:ext>
+                </a:extLst>
+              </a:tr>
+              <a:tr h="211655">
+                <a:tc>
+                  <a:txBody>
+                    <a:bodyPr/>
+                    <a:lstStyle/>
+                    <a:p>
+                      <a:pPr algn="r" fontAlgn="b"/>
+                      <a:r>
+                        <a:rPr lang="en-US" sz="1600" u="none" strike="noStrike">
+                          <a:effectLst/>
+                        </a:rPr>
+                        <a:t>2</a:t>
+                      </a:r>
+                      <a:endParaRPr lang="en-US" sz="1600" b="0" i="0" u="none" strike="noStrike">
+                        <a:solidFill>
+                          <a:srgbClr val="000000"/>
+                        </a:solidFill>
+                        <a:effectLst/>
+                        <a:latin typeface="Calibri" panose="020F0502020204030204" pitchFamily="34" charset="0"/>
+                      </a:endParaRPr>
+                    </a:p>
+                  </a:txBody>
+                  <a:tcPr marL="6873" marR="6873" marT="6873" marB="0" anchor="b"/>
+                </a:tc>
+                <a:tc>
+                  <a:txBody>
+                    <a:bodyPr/>
+                    <a:lstStyle/>
+                    <a:p>
+                      <a:pPr algn="l" fontAlgn="b"/>
+                      <a:r>
+                        <a:rPr lang="en-US" sz="1600" u="none" strike="noStrike">
+                          <a:effectLst/>
+                        </a:rPr>
+                        <a:t>MQ-SERIES</a:t>
+                      </a:r>
+                      <a:endParaRPr lang="en-US" sz="1600" b="0" i="0" u="none" strike="noStrike">
+                        <a:solidFill>
+                          <a:srgbClr val="000000"/>
+                        </a:solidFill>
+                        <a:effectLst/>
+                        <a:latin typeface="Calibri" panose="020F0502020204030204" pitchFamily="34" charset="0"/>
+                      </a:endParaRPr>
+                    </a:p>
+                  </a:txBody>
+                  <a:tcPr marL="6873" marR="6873" marT="6873" marB="0" anchor="b"/>
+                </a:tc>
+                <a:tc>
+                  <a:txBody>
+                    <a:bodyPr/>
+                    <a:lstStyle/>
+                    <a:p>
+                      <a:pPr algn="l" fontAlgn="b"/>
+                      <a:r>
+                        <a:rPr lang="en-US" sz="1600" u="none" strike="noStrike">
+                          <a:effectLst/>
+                        </a:rPr>
+                        <a:t>MQ‑135 / MQ‑7 gas sensors (analog modules)</a:t>
+                      </a:r>
+                      <a:endParaRPr lang="en-US" sz="1600" b="0" i="0" u="none" strike="noStrike">
+                        <a:solidFill>
+                          <a:srgbClr val="000000"/>
+                        </a:solidFill>
+                        <a:effectLst/>
+                        <a:latin typeface="Calibri" panose="020F0502020204030204" pitchFamily="34" charset="0"/>
+                      </a:endParaRPr>
+                    </a:p>
+                  </a:txBody>
+                  <a:tcPr marL="6873" marR="6873" marT="6873" marB="0" anchor="b"/>
+                </a:tc>
+                <a:tc>
+                  <a:txBody>
+                    <a:bodyPr/>
+                    <a:lstStyle/>
+                    <a:p>
+                      <a:pPr algn="r" fontAlgn="b"/>
+                      <a:r>
+                        <a:rPr lang="en-US" sz="1600" u="none" strike="noStrike">
+                          <a:effectLst/>
+                        </a:rPr>
+                        <a:t>400</a:t>
+                      </a:r>
+                      <a:endParaRPr lang="en-US" sz="1600" b="0" i="0" u="none" strike="noStrike">
+                        <a:solidFill>
+                          <a:srgbClr val="000000"/>
+                        </a:solidFill>
+                        <a:effectLst/>
+                        <a:latin typeface="Calibri" panose="020F0502020204030204" pitchFamily="34" charset="0"/>
+                      </a:endParaRPr>
+                    </a:p>
+                  </a:txBody>
+                  <a:tcPr marL="6873" marR="6873" marT="6873" marB="0" anchor="b"/>
+                </a:tc>
+                <a:tc>
+                  <a:txBody>
+                    <a:bodyPr/>
+                    <a:lstStyle/>
+                    <a:p>
+                      <a:pPr algn="r" fontAlgn="b"/>
+                      <a:r>
+                        <a:rPr lang="en-US" sz="1600" u="none" strike="noStrike">
+                          <a:effectLst/>
+                        </a:rPr>
+                        <a:t>4</a:t>
+                      </a:r>
+                      <a:endParaRPr lang="en-US" sz="1600" b="0" i="0" u="none" strike="noStrike">
+                        <a:solidFill>
+                          <a:srgbClr val="000000"/>
+                        </a:solidFill>
+                        <a:effectLst/>
+                        <a:latin typeface="Calibri" panose="020F0502020204030204" pitchFamily="34" charset="0"/>
+                      </a:endParaRPr>
+                    </a:p>
+                  </a:txBody>
+                  <a:tcPr marL="6873" marR="6873" marT="6873" marB="0" anchor="b"/>
+                </a:tc>
+                <a:tc>
+                  <a:txBody>
+                    <a:bodyPr/>
+                    <a:lstStyle/>
+                    <a:p>
+                      <a:pPr algn="r" fontAlgn="b"/>
+                      <a:r>
+                        <a:rPr lang="en-US" sz="1600" u="none" strike="noStrike">
+                          <a:effectLst/>
+                        </a:rPr>
+                        <a:t>1600</a:t>
+                      </a:r>
+                      <a:endParaRPr lang="en-US" sz="1600" b="0" i="0" u="none" strike="noStrike">
+                        <a:solidFill>
+                          <a:srgbClr val="000000"/>
+                        </a:solidFill>
+                        <a:effectLst/>
+                        <a:latin typeface="Calibri" panose="020F0502020204030204" pitchFamily="34" charset="0"/>
+                      </a:endParaRPr>
+                    </a:p>
+                  </a:txBody>
+                  <a:tcPr marL="6873" marR="6873" marT="6873" marB="0" anchor="b"/>
+                </a:tc>
+                <a:extLst>
+                  <a:ext uri="{0D108BD9-81ED-4DB2-BD59-A6C34878D82A}">
+                    <a16:rowId xmlns:a16="http://schemas.microsoft.com/office/drawing/2014/main" val="1765256909"/>
+                  </a:ext>
+                </a:extLst>
+              </a:tr>
+              <a:tr h="211655">
+                <a:tc>
+                  <a:txBody>
+                    <a:bodyPr/>
+                    <a:lstStyle/>
+                    <a:p>
+                      <a:pPr algn="r" fontAlgn="b"/>
+                      <a:r>
+                        <a:rPr lang="en-US" sz="1600" u="none" strike="noStrike">
+                          <a:effectLst/>
+                        </a:rPr>
+                        <a:t>3</a:t>
+                      </a:r>
+                      <a:endParaRPr lang="en-US" sz="1600" b="0" i="0" u="none" strike="noStrike">
+                        <a:solidFill>
+                          <a:srgbClr val="000000"/>
+                        </a:solidFill>
+                        <a:effectLst/>
+                        <a:latin typeface="Calibri" panose="020F0502020204030204" pitchFamily="34" charset="0"/>
+                      </a:endParaRPr>
+                    </a:p>
+                  </a:txBody>
+                  <a:tcPr marL="6873" marR="6873" marT="6873" marB="0" anchor="b"/>
+                </a:tc>
+                <a:tc>
+                  <a:txBody>
+                    <a:bodyPr/>
+                    <a:lstStyle/>
+                    <a:p>
+                      <a:pPr algn="l" fontAlgn="b"/>
+                      <a:r>
+                        <a:rPr lang="en-US" sz="1600" u="none" strike="noStrike">
+                          <a:effectLst/>
+                        </a:rPr>
+                        <a:t>NOVA PM</a:t>
+                      </a:r>
+                      <a:endParaRPr lang="en-US" sz="1600" b="0" i="0" u="none" strike="noStrike">
+                        <a:solidFill>
+                          <a:srgbClr val="000000"/>
+                        </a:solidFill>
+                        <a:effectLst/>
+                        <a:latin typeface="Calibri" panose="020F0502020204030204" pitchFamily="34" charset="0"/>
+                      </a:endParaRPr>
+                    </a:p>
+                  </a:txBody>
+                  <a:tcPr marL="6873" marR="6873" marT="6873" marB="0" anchor="b"/>
+                </a:tc>
+                <a:tc>
+                  <a:txBody>
+                    <a:bodyPr/>
+                    <a:lstStyle/>
+                    <a:p>
+                      <a:pPr algn="l" fontAlgn="b"/>
+                      <a:r>
+                        <a:rPr lang="en-US" sz="1600" u="none" strike="noStrike">
+                          <a:effectLst/>
+                        </a:rPr>
+                        <a:t>SDS011 PM2.5/PM10 particulate sensor (UART)</a:t>
+                      </a:r>
+                      <a:endParaRPr lang="en-US" sz="1600" b="0" i="0" u="none" strike="noStrike">
+                        <a:solidFill>
+                          <a:srgbClr val="000000"/>
+                        </a:solidFill>
+                        <a:effectLst/>
+                        <a:latin typeface="Calibri" panose="020F0502020204030204" pitchFamily="34" charset="0"/>
+                      </a:endParaRPr>
+                    </a:p>
+                  </a:txBody>
+                  <a:tcPr marL="6873" marR="6873" marT="6873" marB="0" anchor="b"/>
+                </a:tc>
+                <a:tc>
+                  <a:txBody>
+                    <a:bodyPr/>
+                    <a:lstStyle/>
+                    <a:p>
+                      <a:pPr algn="r" fontAlgn="b"/>
+                      <a:r>
+                        <a:rPr lang="en-US" sz="1600" u="none" strike="noStrike">
+                          <a:effectLst/>
+                        </a:rPr>
+                        <a:t>2300</a:t>
+                      </a:r>
+                      <a:endParaRPr lang="en-US" sz="1600" b="0" i="0" u="none" strike="noStrike">
+                        <a:solidFill>
+                          <a:srgbClr val="000000"/>
+                        </a:solidFill>
+                        <a:effectLst/>
+                        <a:latin typeface="Calibri" panose="020F0502020204030204" pitchFamily="34" charset="0"/>
+                      </a:endParaRPr>
+                    </a:p>
+                  </a:txBody>
+                  <a:tcPr marL="6873" marR="6873" marT="6873" marB="0" anchor="b"/>
+                </a:tc>
+                <a:tc>
+                  <a:txBody>
+                    <a:bodyPr/>
+                    <a:lstStyle/>
+                    <a:p>
+                      <a:pPr algn="r" fontAlgn="b"/>
+                      <a:r>
+                        <a:rPr lang="en-US" sz="1600" u="none" strike="noStrike">
+                          <a:effectLst/>
+                        </a:rPr>
+                        <a:t>1</a:t>
+                      </a:r>
+                      <a:endParaRPr lang="en-US" sz="1600" b="0" i="0" u="none" strike="noStrike">
+                        <a:solidFill>
+                          <a:srgbClr val="000000"/>
+                        </a:solidFill>
+                        <a:effectLst/>
+                        <a:latin typeface="Calibri" panose="020F0502020204030204" pitchFamily="34" charset="0"/>
+                      </a:endParaRPr>
+                    </a:p>
+                  </a:txBody>
+                  <a:tcPr marL="6873" marR="6873" marT="6873" marB="0" anchor="b"/>
+                </a:tc>
+                <a:tc>
+                  <a:txBody>
+                    <a:bodyPr/>
+                    <a:lstStyle/>
+                    <a:p>
+                      <a:pPr algn="r" fontAlgn="b"/>
+                      <a:r>
+                        <a:rPr lang="en-US" sz="1600" u="none" strike="noStrike">
+                          <a:effectLst/>
+                        </a:rPr>
+                        <a:t>2300</a:t>
+                      </a:r>
+                      <a:endParaRPr lang="en-US" sz="1600" b="0" i="0" u="none" strike="noStrike">
+                        <a:solidFill>
+                          <a:srgbClr val="000000"/>
+                        </a:solidFill>
+                        <a:effectLst/>
+                        <a:latin typeface="Calibri" panose="020F0502020204030204" pitchFamily="34" charset="0"/>
+                      </a:endParaRPr>
+                    </a:p>
+                  </a:txBody>
+                  <a:tcPr marL="6873" marR="6873" marT="6873" marB="0" anchor="b"/>
+                </a:tc>
+                <a:extLst>
+                  <a:ext uri="{0D108BD9-81ED-4DB2-BD59-A6C34878D82A}">
+                    <a16:rowId xmlns:a16="http://schemas.microsoft.com/office/drawing/2014/main" val="2383697989"/>
+                  </a:ext>
+                </a:extLst>
+              </a:tr>
+              <a:tr h="211655">
+                <a:tc>
+                  <a:txBody>
+                    <a:bodyPr/>
+                    <a:lstStyle/>
+                    <a:p>
+                      <a:pPr algn="r" fontAlgn="b"/>
+                      <a:r>
+                        <a:rPr lang="en-US" sz="1600" u="none" strike="noStrike">
+                          <a:effectLst/>
+                        </a:rPr>
+                        <a:t>4</a:t>
+                      </a:r>
+                      <a:endParaRPr lang="en-US" sz="1600" b="0" i="0" u="none" strike="noStrike">
+                        <a:solidFill>
+                          <a:srgbClr val="000000"/>
+                        </a:solidFill>
+                        <a:effectLst/>
+                        <a:latin typeface="Calibri" panose="020F0502020204030204" pitchFamily="34" charset="0"/>
+                      </a:endParaRPr>
+                    </a:p>
+                  </a:txBody>
+                  <a:tcPr marL="6873" marR="6873" marT="6873" marB="0" anchor="b"/>
+                </a:tc>
+                <a:tc>
+                  <a:txBody>
+                    <a:bodyPr/>
+                    <a:lstStyle/>
+                    <a:p>
+                      <a:pPr algn="l" fontAlgn="b"/>
+                      <a:r>
+                        <a:rPr lang="en-US" sz="1600" u="none" strike="noStrike">
+                          <a:effectLst/>
+                        </a:rPr>
+                        <a:t>BATTERY</a:t>
+                      </a:r>
+                      <a:endParaRPr lang="en-US" sz="1600" b="0" i="0" u="none" strike="noStrike">
+                        <a:solidFill>
+                          <a:srgbClr val="000000"/>
+                        </a:solidFill>
+                        <a:effectLst/>
+                        <a:latin typeface="Calibri" panose="020F0502020204030204" pitchFamily="34" charset="0"/>
+                      </a:endParaRPr>
+                    </a:p>
+                  </a:txBody>
+                  <a:tcPr marL="6873" marR="6873" marT="6873" marB="0" anchor="b"/>
+                </a:tc>
+                <a:tc>
+                  <a:txBody>
+                    <a:bodyPr/>
+                    <a:lstStyle/>
+                    <a:p>
+                      <a:pPr algn="l" fontAlgn="b"/>
+                      <a:r>
+                        <a:rPr lang="en-US" sz="1600" u="none" strike="noStrike">
+                          <a:effectLst/>
+                        </a:rPr>
+                        <a:t>12 V Li‑ion / lead‑acid battery, 2–5 Ah typical</a:t>
+                      </a:r>
+                      <a:endParaRPr lang="en-US" sz="1600" b="0" i="0" u="none" strike="noStrike">
+                        <a:solidFill>
+                          <a:srgbClr val="000000"/>
+                        </a:solidFill>
+                        <a:effectLst/>
+                        <a:latin typeface="Calibri" panose="020F0502020204030204" pitchFamily="34" charset="0"/>
+                      </a:endParaRPr>
+                    </a:p>
+                  </a:txBody>
+                  <a:tcPr marL="6873" marR="6873" marT="6873" marB="0" anchor="b"/>
+                </a:tc>
+                <a:tc>
+                  <a:txBody>
+                    <a:bodyPr/>
+                    <a:lstStyle/>
+                    <a:p>
+                      <a:pPr algn="r" fontAlgn="b"/>
+                      <a:r>
+                        <a:rPr lang="en-US" sz="1600" u="none" strike="noStrike">
+                          <a:effectLst/>
+                        </a:rPr>
+                        <a:t>1800</a:t>
+                      </a:r>
+                      <a:endParaRPr lang="en-US" sz="1600" b="0" i="0" u="none" strike="noStrike">
+                        <a:solidFill>
+                          <a:srgbClr val="000000"/>
+                        </a:solidFill>
+                        <a:effectLst/>
+                        <a:latin typeface="Calibri" panose="020F0502020204030204" pitchFamily="34" charset="0"/>
+                      </a:endParaRPr>
+                    </a:p>
+                  </a:txBody>
+                  <a:tcPr marL="6873" marR="6873" marT="6873" marB="0" anchor="b"/>
+                </a:tc>
+                <a:tc>
+                  <a:txBody>
+                    <a:bodyPr/>
+                    <a:lstStyle/>
+                    <a:p>
+                      <a:pPr algn="r" fontAlgn="b"/>
+                      <a:r>
+                        <a:rPr lang="en-US" sz="1600" u="none" strike="noStrike">
+                          <a:effectLst/>
+                        </a:rPr>
+                        <a:t>1</a:t>
+                      </a:r>
+                      <a:endParaRPr lang="en-US" sz="1600" b="0" i="0" u="none" strike="noStrike">
+                        <a:solidFill>
+                          <a:srgbClr val="000000"/>
+                        </a:solidFill>
+                        <a:effectLst/>
+                        <a:latin typeface="Calibri" panose="020F0502020204030204" pitchFamily="34" charset="0"/>
+                      </a:endParaRPr>
+                    </a:p>
+                  </a:txBody>
+                  <a:tcPr marL="6873" marR="6873" marT="6873" marB="0" anchor="b"/>
+                </a:tc>
+                <a:tc>
+                  <a:txBody>
+                    <a:bodyPr/>
+                    <a:lstStyle/>
+                    <a:p>
+                      <a:pPr algn="r" fontAlgn="b"/>
+                      <a:r>
+                        <a:rPr lang="en-US" sz="1600" u="none" strike="noStrike">
+                          <a:effectLst/>
+                        </a:rPr>
+                        <a:t>1800</a:t>
+                      </a:r>
+                      <a:endParaRPr lang="en-US" sz="1600" b="0" i="0" u="none" strike="noStrike">
+                        <a:solidFill>
+                          <a:srgbClr val="000000"/>
+                        </a:solidFill>
+                        <a:effectLst/>
+                        <a:latin typeface="Calibri" panose="020F0502020204030204" pitchFamily="34" charset="0"/>
+                      </a:endParaRPr>
+                    </a:p>
+                  </a:txBody>
+                  <a:tcPr marL="6873" marR="6873" marT="6873" marB="0" anchor="b"/>
+                </a:tc>
+                <a:extLst>
+                  <a:ext uri="{0D108BD9-81ED-4DB2-BD59-A6C34878D82A}">
+                    <a16:rowId xmlns:a16="http://schemas.microsoft.com/office/drawing/2014/main" val="3035887665"/>
+                  </a:ext>
+                </a:extLst>
+              </a:tr>
+              <a:tr h="211655">
+                <a:tc>
+                  <a:txBody>
+                    <a:bodyPr/>
+                    <a:lstStyle/>
+                    <a:p>
+                      <a:pPr algn="r" fontAlgn="b"/>
+                      <a:r>
+                        <a:rPr lang="en-US" sz="1600" u="none" strike="noStrike">
+                          <a:effectLst/>
+                        </a:rPr>
+                        <a:t>5</a:t>
+                      </a:r>
+                      <a:endParaRPr lang="en-US" sz="1600" b="0" i="0" u="none" strike="noStrike">
+                        <a:solidFill>
+                          <a:srgbClr val="000000"/>
+                        </a:solidFill>
+                        <a:effectLst/>
+                        <a:latin typeface="Calibri" panose="020F0502020204030204" pitchFamily="34" charset="0"/>
+                      </a:endParaRPr>
+                    </a:p>
+                  </a:txBody>
+                  <a:tcPr marL="6873" marR="6873" marT="6873" marB="0" anchor="b"/>
+                </a:tc>
+                <a:tc>
+                  <a:txBody>
+                    <a:bodyPr/>
+                    <a:lstStyle/>
+                    <a:p>
+                      <a:pPr algn="l" fontAlgn="b"/>
+                      <a:r>
+                        <a:rPr lang="en-US" sz="1600" u="none" strike="noStrike">
+                          <a:effectLst/>
+                        </a:rPr>
+                        <a:t>BATTERY CHARGER</a:t>
+                      </a:r>
+                      <a:endParaRPr lang="en-US" sz="1600" b="0" i="0" u="none" strike="noStrike">
+                        <a:solidFill>
+                          <a:srgbClr val="000000"/>
+                        </a:solidFill>
+                        <a:effectLst/>
+                        <a:latin typeface="Calibri" panose="020F0502020204030204" pitchFamily="34" charset="0"/>
+                      </a:endParaRPr>
+                    </a:p>
+                  </a:txBody>
+                  <a:tcPr marL="6873" marR="6873" marT="6873" marB="0" anchor="b"/>
+                </a:tc>
+                <a:tc>
+                  <a:txBody>
+                    <a:bodyPr/>
+                    <a:lstStyle/>
+                    <a:p>
+                      <a:pPr algn="l" fontAlgn="b"/>
+                      <a:r>
+                        <a:rPr lang="en-US" sz="1600" u="none" strike="noStrike">
+                          <a:effectLst/>
+                        </a:rPr>
+                        <a:t>TP4056 Li‑ion charger module</a:t>
+                      </a:r>
+                      <a:endParaRPr lang="en-US" sz="1600" b="0" i="0" u="none" strike="noStrike">
+                        <a:solidFill>
+                          <a:srgbClr val="000000"/>
+                        </a:solidFill>
+                        <a:effectLst/>
+                        <a:latin typeface="Calibri" panose="020F0502020204030204" pitchFamily="34" charset="0"/>
+                      </a:endParaRPr>
+                    </a:p>
+                  </a:txBody>
+                  <a:tcPr marL="6873" marR="6873" marT="6873" marB="0" anchor="b"/>
+                </a:tc>
+                <a:tc>
+                  <a:txBody>
+                    <a:bodyPr/>
+                    <a:lstStyle/>
+                    <a:p>
+                      <a:pPr algn="r" fontAlgn="b"/>
+                      <a:r>
+                        <a:rPr lang="en-US" sz="1600" u="none" strike="noStrike">
+                          <a:effectLst/>
+                        </a:rPr>
+                        <a:t>1200</a:t>
+                      </a:r>
+                      <a:endParaRPr lang="en-US" sz="1600" b="0" i="0" u="none" strike="noStrike">
+                        <a:solidFill>
+                          <a:srgbClr val="000000"/>
+                        </a:solidFill>
+                        <a:effectLst/>
+                        <a:latin typeface="Calibri" panose="020F0502020204030204" pitchFamily="34" charset="0"/>
+                      </a:endParaRPr>
+                    </a:p>
+                  </a:txBody>
+                  <a:tcPr marL="6873" marR="6873" marT="6873" marB="0" anchor="b"/>
+                </a:tc>
+                <a:tc>
+                  <a:txBody>
+                    <a:bodyPr/>
+                    <a:lstStyle/>
+                    <a:p>
+                      <a:pPr algn="r" fontAlgn="b"/>
+                      <a:r>
+                        <a:rPr lang="en-US" sz="1600" u="none" strike="noStrike">
+                          <a:effectLst/>
+                        </a:rPr>
+                        <a:t>1</a:t>
+                      </a:r>
+                      <a:endParaRPr lang="en-US" sz="1600" b="0" i="0" u="none" strike="noStrike">
+                        <a:solidFill>
+                          <a:srgbClr val="000000"/>
+                        </a:solidFill>
+                        <a:effectLst/>
+                        <a:latin typeface="Calibri" panose="020F0502020204030204" pitchFamily="34" charset="0"/>
+                      </a:endParaRPr>
+                    </a:p>
+                  </a:txBody>
+                  <a:tcPr marL="6873" marR="6873" marT="6873" marB="0" anchor="b"/>
+                </a:tc>
+                <a:tc>
+                  <a:txBody>
+                    <a:bodyPr/>
+                    <a:lstStyle/>
+                    <a:p>
+                      <a:pPr algn="r" fontAlgn="b"/>
+                      <a:r>
+                        <a:rPr lang="en-US" sz="1600" u="none" strike="noStrike">
+                          <a:effectLst/>
+                        </a:rPr>
+                        <a:t>1200</a:t>
+                      </a:r>
+                      <a:endParaRPr lang="en-US" sz="1600" b="0" i="0" u="none" strike="noStrike">
+                        <a:solidFill>
+                          <a:srgbClr val="000000"/>
+                        </a:solidFill>
+                        <a:effectLst/>
+                        <a:latin typeface="Calibri" panose="020F0502020204030204" pitchFamily="34" charset="0"/>
+                      </a:endParaRPr>
+                    </a:p>
+                  </a:txBody>
+                  <a:tcPr marL="6873" marR="6873" marT="6873" marB="0" anchor="b"/>
+                </a:tc>
+                <a:extLst>
+                  <a:ext uri="{0D108BD9-81ED-4DB2-BD59-A6C34878D82A}">
+                    <a16:rowId xmlns:a16="http://schemas.microsoft.com/office/drawing/2014/main" val="1647195463"/>
+                  </a:ext>
+                </a:extLst>
+              </a:tr>
+              <a:tr h="211655">
+                <a:tc>
+                  <a:txBody>
+                    <a:bodyPr/>
+                    <a:lstStyle/>
+                    <a:p>
+                      <a:pPr algn="r" fontAlgn="b"/>
+                      <a:r>
+                        <a:rPr lang="en-US" sz="1600" u="none" strike="noStrike">
+                          <a:effectLst/>
+                        </a:rPr>
+                        <a:t>6</a:t>
+                      </a:r>
+                      <a:endParaRPr lang="en-US" sz="1600" b="0" i="0" u="none" strike="noStrike">
+                        <a:solidFill>
+                          <a:srgbClr val="000000"/>
+                        </a:solidFill>
+                        <a:effectLst/>
+                        <a:latin typeface="Calibri" panose="020F0502020204030204" pitchFamily="34" charset="0"/>
+                      </a:endParaRPr>
+                    </a:p>
+                  </a:txBody>
+                  <a:tcPr marL="6873" marR="6873" marT="6873" marB="0" anchor="b"/>
+                </a:tc>
+                <a:tc>
+                  <a:txBody>
+                    <a:bodyPr/>
+                    <a:lstStyle/>
+                    <a:p>
+                      <a:pPr algn="l" fontAlgn="b"/>
+                      <a:r>
+                        <a:rPr lang="en-US" sz="1600" u="none" strike="noStrike">
+                          <a:effectLst/>
+                        </a:rPr>
+                        <a:t>PSU</a:t>
+                      </a:r>
+                      <a:endParaRPr lang="en-US" sz="1600" b="0" i="0" u="none" strike="noStrike">
+                        <a:solidFill>
+                          <a:srgbClr val="000000"/>
+                        </a:solidFill>
+                        <a:effectLst/>
+                        <a:latin typeface="Calibri" panose="020F0502020204030204" pitchFamily="34" charset="0"/>
+                      </a:endParaRPr>
+                    </a:p>
+                  </a:txBody>
+                  <a:tcPr marL="6873" marR="6873" marT="6873" marB="0" anchor="b"/>
+                </a:tc>
+                <a:tc>
+                  <a:txBody>
+                    <a:bodyPr/>
+                    <a:lstStyle/>
+                    <a:p>
+                      <a:pPr algn="l" fontAlgn="b"/>
+                      <a:r>
+                        <a:rPr lang="en-US" sz="1600" u="none" strike="noStrike">
+                          <a:effectLst/>
+                        </a:rPr>
+                        <a:t>AMS1117‑3.3 voltage regulator (3.3 V output).</a:t>
+                      </a:r>
+                      <a:endParaRPr lang="en-US" sz="1600" b="0" i="0" u="none" strike="noStrike">
+                        <a:solidFill>
+                          <a:srgbClr val="000000"/>
+                        </a:solidFill>
+                        <a:effectLst/>
+                        <a:latin typeface="Calibri" panose="020F0502020204030204" pitchFamily="34" charset="0"/>
+                      </a:endParaRPr>
+                    </a:p>
+                  </a:txBody>
+                  <a:tcPr marL="6873" marR="6873" marT="6873" marB="0" anchor="b"/>
+                </a:tc>
+                <a:tc>
+                  <a:txBody>
+                    <a:bodyPr/>
+                    <a:lstStyle/>
+                    <a:p>
+                      <a:pPr algn="r" fontAlgn="b"/>
+                      <a:r>
+                        <a:rPr lang="en-US" sz="1600" u="none" strike="noStrike">
+                          <a:effectLst/>
+                        </a:rPr>
+                        <a:t>400</a:t>
+                      </a:r>
+                      <a:endParaRPr lang="en-US" sz="1600" b="0" i="0" u="none" strike="noStrike">
+                        <a:solidFill>
+                          <a:srgbClr val="000000"/>
+                        </a:solidFill>
+                        <a:effectLst/>
+                        <a:latin typeface="Calibri" panose="020F0502020204030204" pitchFamily="34" charset="0"/>
+                      </a:endParaRPr>
+                    </a:p>
+                  </a:txBody>
+                  <a:tcPr marL="6873" marR="6873" marT="6873" marB="0" anchor="b"/>
+                </a:tc>
+                <a:tc>
+                  <a:txBody>
+                    <a:bodyPr/>
+                    <a:lstStyle/>
+                    <a:p>
+                      <a:pPr algn="r" fontAlgn="b"/>
+                      <a:r>
+                        <a:rPr lang="en-US" sz="1600" u="none" strike="noStrike">
+                          <a:effectLst/>
+                        </a:rPr>
+                        <a:t>1</a:t>
+                      </a:r>
+                      <a:endParaRPr lang="en-US" sz="1600" b="0" i="0" u="none" strike="noStrike">
+                        <a:solidFill>
+                          <a:srgbClr val="000000"/>
+                        </a:solidFill>
+                        <a:effectLst/>
+                        <a:latin typeface="Calibri" panose="020F0502020204030204" pitchFamily="34" charset="0"/>
+                      </a:endParaRPr>
+                    </a:p>
+                  </a:txBody>
+                  <a:tcPr marL="6873" marR="6873" marT="6873" marB="0" anchor="b"/>
+                </a:tc>
+                <a:tc>
+                  <a:txBody>
+                    <a:bodyPr/>
+                    <a:lstStyle/>
+                    <a:p>
+                      <a:pPr algn="r" fontAlgn="b"/>
+                      <a:r>
+                        <a:rPr lang="en-US" sz="1600" u="none" strike="noStrike">
+                          <a:effectLst/>
+                        </a:rPr>
+                        <a:t>400</a:t>
+                      </a:r>
+                      <a:endParaRPr lang="en-US" sz="1600" b="0" i="0" u="none" strike="noStrike">
+                        <a:solidFill>
+                          <a:srgbClr val="000000"/>
+                        </a:solidFill>
+                        <a:effectLst/>
+                        <a:latin typeface="Calibri" panose="020F0502020204030204" pitchFamily="34" charset="0"/>
+                      </a:endParaRPr>
+                    </a:p>
+                  </a:txBody>
+                  <a:tcPr marL="6873" marR="6873" marT="6873" marB="0" anchor="b"/>
+                </a:tc>
+                <a:extLst>
+                  <a:ext uri="{0D108BD9-81ED-4DB2-BD59-A6C34878D82A}">
+                    <a16:rowId xmlns:a16="http://schemas.microsoft.com/office/drawing/2014/main" val="3189609772"/>
+                  </a:ext>
+                </a:extLst>
+              </a:tr>
+              <a:tr h="367642">
+                <a:tc>
+                  <a:txBody>
+                    <a:bodyPr/>
+                    <a:lstStyle/>
+                    <a:p>
+                      <a:pPr algn="r" fontAlgn="b"/>
+                      <a:r>
+                        <a:rPr lang="en-US" sz="1600" u="none" strike="noStrike">
+                          <a:effectLst/>
+                        </a:rPr>
+                        <a:t>7</a:t>
+                      </a:r>
+                      <a:endParaRPr lang="en-US" sz="1600" b="0" i="0" u="none" strike="noStrike">
+                        <a:solidFill>
+                          <a:srgbClr val="000000"/>
+                        </a:solidFill>
+                        <a:effectLst/>
+                        <a:latin typeface="Calibri" panose="020F0502020204030204" pitchFamily="34" charset="0"/>
+                      </a:endParaRPr>
+                    </a:p>
+                  </a:txBody>
+                  <a:tcPr marL="6873" marR="6873" marT="6873" marB="0" anchor="b"/>
+                </a:tc>
+                <a:tc>
+                  <a:txBody>
+                    <a:bodyPr/>
+                    <a:lstStyle/>
+                    <a:p>
+                      <a:pPr algn="l" fontAlgn="b"/>
+                      <a:r>
+                        <a:rPr lang="en-US" sz="1600" u="none" strike="noStrike">
+                          <a:effectLst/>
+                        </a:rPr>
+                        <a:t>JUMPERS</a:t>
+                      </a:r>
+                      <a:endParaRPr lang="en-US" sz="1600" b="0" i="0" u="none" strike="noStrike">
+                        <a:solidFill>
+                          <a:srgbClr val="000000"/>
+                        </a:solidFill>
+                        <a:effectLst/>
+                        <a:latin typeface="Calibri" panose="020F0502020204030204" pitchFamily="34" charset="0"/>
+                      </a:endParaRPr>
+                    </a:p>
+                  </a:txBody>
+                  <a:tcPr marL="6873" marR="6873" marT="6873" marB="0" anchor="b"/>
+                </a:tc>
+                <a:tc>
+                  <a:txBody>
+                    <a:bodyPr/>
+                    <a:lstStyle/>
+                    <a:p>
+                      <a:pPr algn="l" fontAlgn="b"/>
+                      <a:r>
+                        <a:rPr lang="en-US" sz="1600" u="none" strike="noStrike">
+                          <a:effectLst/>
+                        </a:rPr>
+                        <a:t>20 cm male‑to‑male jumper wires. (common prototyping set)</a:t>
+                      </a:r>
+                      <a:endParaRPr lang="en-US" sz="1600" b="0" i="0" u="none" strike="noStrike">
+                        <a:solidFill>
+                          <a:srgbClr val="000000"/>
+                        </a:solidFill>
+                        <a:effectLst/>
+                        <a:latin typeface="Calibri" panose="020F0502020204030204" pitchFamily="34" charset="0"/>
+                      </a:endParaRPr>
+                    </a:p>
+                  </a:txBody>
+                  <a:tcPr marL="6873" marR="6873" marT="6873" marB="0" anchor="b"/>
+                </a:tc>
+                <a:tc>
+                  <a:txBody>
+                    <a:bodyPr/>
+                    <a:lstStyle/>
+                    <a:p>
+                      <a:pPr algn="r" fontAlgn="b"/>
+                      <a:r>
+                        <a:rPr lang="en-US" sz="1600" u="none" strike="noStrike">
+                          <a:effectLst/>
+                        </a:rPr>
+                        <a:t>250</a:t>
+                      </a:r>
+                      <a:endParaRPr lang="en-US" sz="1600" b="0" i="0" u="none" strike="noStrike">
+                        <a:solidFill>
+                          <a:srgbClr val="000000"/>
+                        </a:solidFill>
+                        <a:effectLst/>
+                        <a:latin typeface="Calibri" panose="020F0502020204030204" pitchFamily="34" charset="0"/>
+                      </a:endParaRPr>
+                    </a:p>
+                  </a:txBody>
+                  <a:tcPr marL="6873" marR="6873" marT="6873" marB="0" anchor="b"/>
+                </a:tc>
+                <a:tc>
+                  <a:txBody>
+                    <a:bodyPr/>
+                    <a:lstStyle/>
+                    <a:p>
+                      <a:pPr algn="r" fontAlgn="b"/>
+                      <a:r>
+                        <a:rPr lang="en-US" sz="1600" u="none" strike="noStrike">
+                          <a:effectLst/>
+                        </a:rPr>
+                        <a:t>2</a:t>
+                      </a:r>
+                      <a:endParaRPr lang="en-US" sz="1600" b="0" i="0" u="none" strike="noStrike">
+                        <a:solidFill>
+                          <a:srgbClr val="000000"/>
+                        </a:solidFill>
+                        <a:effectLst/>
+                        <a:latin typeface="Calibri" panose="020F0502020204030204" pitchFamily="34" charset="0"/>
+                      </a:endParaRPr>
+                    </a:p>
+                  </a:txBody>
+                  <a:tcPr marL="6873" marR="6873" marT="6873" marB="0" anchor="b"/>
+                </a:tc>
+                <a:tc>
+                  <a:txBody>
+                    <a:bodyPr/>
+                    <a:lstStyle/>
+                    <a:p>
+                      <a:pPr algn="r" fontAlgn="b"/>
+                      <a:r>
+                        <a:rPr lang="en-US" sz="1600" u="none" strike="noStrike">
+                          <a:effectLst/>
+                        </a:rPr>
+                        <a:t>500</a:t>
+                      </a:r>
+                      <a:endParaRPr lang="en-US" sz="1600" b="0" i="0" u="none" strike="noStrike">
+                        <a:solidFill>
+                          <a:srgbClr val="000000"/>
+                        </a:solidFill>
+                        <a:effectLst/>
+                        <a:latin typeface="Calibri" panose="020F0502020204030204" pitchFamily="34" charset="0"/>
+                      </a:endParaRPr>
+                    </a:p>
+                  </a:txBody>
+                  <a:tcPr marL="6873" marR="6873" marT="6873" marB="0" anchor="b"/>
+                </a:tc>
+                <a:extLst>
+                  <a:ext uri="{0D108BD9-81ED-4DB2-BD59-A6C34878D82A}">
+                    <a16:rowId xmlns:a16="http://schemas.microsoft.com/office/drawing/2014/main" val="2232843735"/>
+                  </a:ext>
+                </a:extLst>
+              </a:tr>
+              <a:tr h="211655">
+                <a:tc>
+                  <a:txBody>
+                    <a:bodyPr/>
+                    <a:lstStyle/>
+                    <a:p>
+                      <a:pPr algn="r" fontAlgn="b"/>
+                      <a:r>
+                        <a:rPr lang="en-US" sz="1600" u="none" strike="noStrike">
+                          <a:effectLst/>
+                        </a:rPr>
+                        <a:t>8</a:t>
+                      </a:r>
+                      <a:endParaRPr lang="en-US" sz="1600" b="0" i="0" u="none" strike="noStrike">
+                        <a:solidFill>
+                          <a:srgbClr val="000000"/>
+                        </a:solidFill>
+                        <a:effectLst/>
+                        <a:latin typeface="Calibri" panose="020F0502020204030204" pitchFamily="34" charset="0"/>
+                      </a:endParaRPr>
+                    </a:p>
+                  </a:txBody>
+                  <a:tcPr marL="6873" marR="6873" marT="6873" marB="0" anchor="b"/>
+                </a:tc>
+                <a:tc>
+                  <a:txBody>
+                    <a:bodyPr/>
+                    <a:lstStyle/>
+                    <a:p>
+                      <a:pPr algn="l" fontAlgn="b"/>
+                      <a:r>
+                        <a:rPr lang="en-US" sz="1600" u="none" strike="noStrike">
+                          <a:effectLst/>
+                        </a:rPr>
+                        <a:t>STRIP BOARD</a:t>
+                      </a:r>
+                      <a:endParaRPr lang="en-US" sz="1600" b="0" i="0" u="none" strike="noStrike">
+                        <a:solidFill>
+                          <a:srgbClr val="000000"/>
+                        </a:solidFill>
+                        <a:effectLst/>
+                        <a:latin typeface="Calibri" panose="020F0502020204030204" pitchFamily="34" charset="0"/>
+                      </a:endParaRPr>
+                    </a:p>
+                  </a:txBody>
+                  <a:tcPr marL="6873" marR="6873" marT="6873" marB="0" anchor="b"/>
+                </a:tc>
+                <a:tc>
+                  <a:txBody>
+                    <a:bodyPr/>
+                    <a:lstStyle/>
+                    <a:p>
+                      <a:pPr algn="l" fontAlgn="b"/>
+                      <a:r>
+                        <a:rPr lang="en-US" sz="1600" u="none" strike="noStrike">
+                          <a:effectLst/>
+                        </a:rPr>
+                        <a:t>Standard perfboard, proto assembly</a:t>
+                      </a:r>
+                      <a:endParaRPr lang="en-US" sz="1600" b="0" i="0" u="none" strike="noStrike">
+                        <a:solidFill>
+                          <a:srgbClr val="000000"/>
+                        </a:solidFill>
+                        <a:effectLst/>
+                        <a:latin typeface="Calibri" panose="020F0502020204030204" pitchFamily="34" charset="0"/>
+                      </a:endParaRPr>
+                    </a:p>
+                  </a:txBody>
+                  <a:tcPr marL="6873" marR="6873" marT="6873" marB="0" anchor="b"/>
+                </a:tc>
+                <a:tc>
+                  <a:txBody>
+                    <a:bodyPr/>
+                    <a:lstStyle/>
+                    <a:p>
+                      <a:pPr algn="r" fontAlgn="b"/>
+                      <a:r>
+                        <a:rPr lang="en-US" sz="1600" u="none" strike="noStrike">
+                          <a:effectLst/>
+                        </a:rPr>
+                        <a:t>100</a:t>
+                      </a:r>
+                      <a:endParaRPr lang="en-US" sz="1600" b="0" i="0" u="none" strike="noStrike">
+                        <a:solidFill>
+                          <a:srgbClr val="000000"/>
+                        </a:solidFill>
+                        <a:effectLst/>
+                        <a:latin typeface="Calibri" panose="020F0502020204030204" pitchFamily="34" charset="0"/>
+                      </a:endParaRPr>
+                    </a:p>
+                  </a:txBody>
+                  <a:tcPr marL="6873" marR="6873" marT="6873" marB="0" anchor="b"/>
+                </a:tc>
+                <a:tc>
+                  <a:txBody>
+                    <a:bodyPr/>
+                    <a:lstStyle/>
+                    <a:p>
+                      <a:pPr algn="r" fontAlgn="b"/>
+                      <a:r>
+                        <a:rPr lang="en-US" sz="1600" u="none" strike="noStrike">
+                          <a:effectLst/>
+                        </a:rPr>
+                        <a:t>2</a:t>
+                      </a:r>
+                      <a:endParaRPr lang="en-US" sz="1600" b="0" i="0" u="none" strike="noStrike">
+                        <a:solidFill>
+                          <a:srgbClr val="000000"/>
+                        </a:solidFill>
+                        <a:effectLst/>
+                        <a:latin typeface="Calibri" panose="020F0502020204030204" pitchFamily="34" charset="0"/>
+                      </a:endParaRPr>
+                    </a:p>
+                  </a:txBody>
+                  <a:tcPr marL="6873" marR="6873" marT="6873" marB="0" anchor="b"/>
+                </a:tc>
+                <a:tc>
+                  <a:txBody>
+                    <a:bodyPr/>
+                    <a:lstStyle/>
+                    <a:p>
+                      <a:pPr algn="r" fontAlgn="b"/>
+                      <a:r>
+                        <a:rPr lang="en-US" sz="1600" u="none" strike="noStrike">
+                          <a:effectLst/>
+                        </a:rPr>
+                        <a:t>200</a:t>
+                      </a:r>
+                      <a:endParaRPr lang="en-US" sz="1600" b="0" i="0" u="none" strike="noStrike">
+                        <a:solidFill>
+                          <a:srgbClr val="000000"/>
+                        </a:solidFill>
+                        <a:effectLst/>
+                        <a:latin typeface="Calibri" panose="020F0502020204030204" pitchFamily="34" charset="0"/>
+                      </a:endParaRPr>
+                    </a:p>
+                  </a:txBody>
+                  <a:tcPr marL="6873" marR="6873" marT="6873" marB="0" anchor="b"/>
+                </a:tc>
+                <a:extLst>
+                  <a:ext uri="{0D108BD9-81ED-4DB2-BD59-A6C34878D82A}">
+                    <a16:rowId xmlns:a16="http://schemas.microsoft.com/office/drawing/2014/main" val="2945455328"/>
+                  </a:ext>
+                </a:extLst>
+              </a:tr>
+              <a:tr h="211655">
+                <a:tc>
+                  <a:txBody>
+                    <a:bodyPr/>
+                    <a:lstStyle/>
+                    <a:p>
+                      <a:pPr algn="r" fontAlgn="b"/>
+                      <a:r>
+                        <a:rPr lang="en-US" sz="1600" u="none" strike="noStrike">
+                          <a:effectLst/>
+                        </a:rPr>
+                        <a:t>9</a:t>
+                      </a:r>
+                      <a:endParaRPr lang="en-US" sz="1600" b="0" i="0" u="none" strike="noStrike">
+                        <a:solidFill>
+                          <a:srgbClr val="000000"/>
+                        </a:solidFill>
+                        <a:effectLst/>
+                        <a:latin typeface="Calibri" panose="020F0502020204030204" pitchFamily="34" charset="0"/>
+                      </a:endParaRPr>
+                    </a:p>
+                  </a:txBody>
+                  <a:tcPr marL="6873" marR="6873" marT="6873" marB="0" anchor="b"/>
+                </a:tc>
+                <a:tc>
+                  <a:txBody>
+                    <a:bodyPr/>
+                    <a:lstStyle/>
+                    <a:p>
+                      <a:pPr algn="l" fontAlgn="b"/>
+                      <a:r>
+                        <a:rPr lang="en-US" sz="1600" u="none" strike="noStrike">
+                          <a:effectLst/>
+                        </a:rPr>
+                        <a:t>BREAD BOARD</a:t>
+                      </a:r>
+                      <a:endParaRPr lang="en-US" sz="1600" b="0" i="0" u="none" strike="noStrike">
+                        <a:solidFill>
+                          <a:srgbClr val="000000"/>
+                        </a:solidFill>
+                        <a:effectLst/>
+                        <a:latin typeface="Calibri" panose="020F0502020204030204" pitchFamily="34" charset="0"/>
+                      </a:endParaRPr>
+                    </a:p>
+                  </a:txBody>
+                  <a:tcPr marL="6873" marR="6873" marT="6873" marB="0" anchor="b"/>
+                </a:tc>
+                <a:tc>
+                  <a:txBody>
+                    <a:bodyPr/>
+                    <a:lstStyle/>
+                    <a:p>
+                      <a:pPr algn="l" fontAlgn="b"/>
+                      <a:r>
+                        <a:rPr lang="en-US" sz="1600" u="none" strike="noStrike">
+                          <a:effectLst/>
+                        </a:rPr>
+                        <a:t>Standard 830‑tie point breadboard.</a:t>
+                      </a:r>
+                      <a:endParaRPr lang="en-US" sz="1600" b="0" i="0" u="none" strike="noStrike">
+                        <a:solidFill>
+                          <a:srgbClr val="000000"/>
+                        </a:solidFill>
+                        <a:effectLst/>
+                        <a:latin typeface="Calibri" panose="020F0502020204030204" pitchFamily="34" charset="0"/>
+                      </a:endParaRPr>
+                    </a:p>
+                  </a:txBody>
+                  <a:tcPr marL="6873" marR="6873" marT="6873" marB="0" anchor="b"/>
+                </a:tc>
+                <a:tc>
+                  <a:txBody>
+                    <a:bodyPr/>
+                    <a:lstStyle/>
+                    <a:p>
+                      <a:pPr algn="r" fontAlgn="b"/>
+                      <a:r>
+                        <a:rPr lang="en-US" sz="1600" u="none" strike="noStrike">
+                          <a:effectLst/>
+                        </a:rPr>
+                        <a:t>200</a:t>
+                      </a:r>
+                      <a:endParaRPr lang="en-US" sz="1600" b="0" i="0" u="none" strike="noStrike">
+                        <a:solidFill>
+                          <a:srgbClr val="000000"/>
+                        </a:solidFill>
+                        <a:effectLst/>
+                        <a:latin typeface="Calibri" panose="020F0502020204030204" pitchFamily="34" charset="0"/>
+                      </a:endParaRPr>
+                    </a:p>
+                  </a:txBody>
+                  <a:tcPr marL="6873" marR="6873" marT="6873" marB="0" anchor="b"/>
+                </a:tc>
+                <a:tc>
+                  <a:txBody>
+                    <a:bodyPr/>
+                    <a:lstStyle/>
+                    <a:p>
+                      <a:pPr algn="r" fontAlgn="b"/>
+                      <a:r>
+                        <a:rPr lang="en-US" sz="1600" u="none" strike="noStrike">
+                          <a:effectLst/>
+                        </a:rPr>
+                        <a:t>1</a:t>
+                      </a:r>
+                      <a:endParaRPr lang="en-US" sz="1600" b="0" i="0" u="none" strike="noStrike">
+                        <a:solidFill>
+                          <a:srgbClr val="000000"/>
+                        </a:solidFill>
+                        <a:effectLst/>
+                        <a:latin typeface="Calibri" panose="020F0502020204030204" pitchFamily="34" charset="0"/>
+                      </a:endParaRPr>
+                    </a:p>
+                  </a:txBody>
+                  <a:tcPr marL="6873" marR="6873" marT="6873" marB="0" anchor="b"/>
+                </a:tc>
+                <a:tc>
+                  <a:txBody>
+                    <a:bodyPr/>
+                    <a:lstStyle/>
+                    <a:p>
+                      <a:pPr algn="r" fontAlgn="b"/>
+                      <a:r>
+                        <a:rPr lang="en-US" sz="1600" u="none" strike="noStrike">
+                          <a:effectLst/>
+                        </a:rPr>
+                        <a:t>200</a:t>
+                      </a:r>
+                      <a:endParaRPr lang="en-US" sz="1600" b="0" i="0" u="none" strike="noStrike">
+                        <a:solidFill>
+                          <a:srgbClr val="000000"/>
+                        </a:solidFill>
+                        <a:effectLst/>
+                        <a:latin typeface="Calibri" panose="020F0502020204030204" pitchFamily="34" charset="0"/>
+                      </a:endParaRPr>
+                    </a:p>
+                  </a:txBody>
+                  <a:tcPr marL="6873" marR="6873" marT="6873" marB="0" anchor="b"/>
+                </a:tc>
+                <a:extLst>
+                  <a:ext uri="{0D108BD9-81ED-4DB2-BD59-A6C34878D82A}">
+                    <a16:rowId xmlns:a16="http://schemas.microsoft.com/office/drawing/2014/main" val="1284502068"/>
+                  </a:ext>
+                </a:extLst>
+              </a:tr>
+              <a:tr h="211655">
+                <a:tc>
+                  <a:txBody>
+                    <a:bodyPr/>
+                    <a:lstStyle/>
+                    <a:p>
+                      <a:pPr algn="r" fontAlgn="b"/>
+                      <a:r>
+                        <a:rPr lang="en-US" sz="1600" u="none" strike="noStrike">
+                          <a:effectLst/>
+                        </a:rPr>
+                        <a:t>10</a:t>
+                      </a:r>
+                      <a:endParaRPr lang="en-US" sz="1600" b="0" i="0" u="none" strike="noStrike">
+                        <a:solidFill>
+                          <a:srgbClr val="000000"/>
+                        </a:solidFill>
+                        <a:effectLst/>
+                        <a:latin typeface="Calibri" panose="020F0502020204030204" pitchFamily="34" charset="0"/>
+                      </a:endParaRPr>
+                    </a:p>
+                  </a:txBody>
+                  <a:tcPr marL="6873" marR="6873" marT="6873" marB="0" anchor="b"/>
+                </a:tc>
+                <a:tc>
+                  <a:txBody>
+                    <a:bodyPr/>
+                    <a:lstStyle/>
+                    <a:p>
+                      <a:pPr algn="l" fontAlgn="b"/>
+                      <a:r>
+                        <a:rPr lang="en-US" sz="1600" u="none" strike="noStrike">
+                          <a:effectLst/>
+                        </a:rPr>
+                        <a:t>ENCLOSURE</a:t>
+                      </a:r>
+                      <a:endParaRPr lang="en-US" sz="1600" b="0" i="0" u="none" strike="noStrike">
+                        <a:solidFill>
+                          <a:srgbClr val="000000"/>
+                        </a:solidFill>
+                        <a:effectLst/>
+                        <a:latin typeface="Calibri" panose="020F0502020204030204" pitchFamily="34" charset="0"/>
+                      </a:endParaRPr>
+                    </a:p>
+                  </a:txBody>
+                  <a:tcPr marL="6873" marR="6873" marT="6873" marB="0" anchor="b"/>
+                </a:tc>
+                <a:tc>
+                  <a:txBody>
+                    <a:bodyPr/>
+                    <a:lstStyle/>
+                    <a:p>
+                      <a:pPr algn="l" fontAlgn="b"/>
+                      <a:r>
+                        <a:rPr lang="en-US" sz="1600" u="none" strike="noStrike">
+                          <a:effectLst/>
+                        </a:rPr>
+                        <a:t>wooden box</a:t>
+                      </a:r>
+                      <a:endParaRPr lang="en-US" sz="1600" b="0" i="0" u="none" strike="noStrike">
+                        <a:solidFill>
+                          <a:srgbClr val="000000"/>
+                        </a:solidFill>
+                        <a:effectLst/>
+                        <a:latin typeface="Calibri" panose="020F0502020204030204" pitchFamily="34" charset="0"/>
+                      </a:endParaRPr>
+                    </a:p>
+                  </a:txBody>
+                  <a:tcPr marL="6873" marR="6873" marT="6873" marB="0" anchor="b"/>
+                </a:tc>
+                <a:tc>
+                  <a:txBody>
+                    <a:bodyPr/>
+                    <a:lstStyle/>
+                    <a:p>
+                      <a:pPr algn="r" fontAlgn="b"/>
+                      <a:r>
+                        <a:rPr lang="en-US" sz="1600" u="none" strike="noStrike">
+                          <a:effectLst/>
+                        </a:rPr>
+                        <a:t>1000</a:t>
+                      </a:r>
+                      <a:endParaRPr lang="en-US" sz="1600" b="0" i="0" u="none" strike="noStrike">
+                        <a:solidFill>
+                          <a:srgbClr val="000000"/>
+                        </a:solidFill>
+                        <a:effectLst/>
+                        <a:latin typeface="Calibri" panose="020F0502020204030204" pitchFamily="34" charset="0"/>
+                      </a:endParaRPr>
+                    </a:p>
+                  </a:txBody>
+                  <a:tcPr marL="6873" marR="6873" marT="6873" marB="0" anchor="b"/>
+                </a:tc>
+                <a:tc>
+                  <a:txBody>
+                    <a:bodyPr/>
+                    <a:lstStyle/>
+                    <a:p>
+                      <a:pPr algn="r" fontAlgn="b"/>
+                      <a:r>
+                        <a:rPr lang="en-US" sz="1600" u="none" strike="noStrike">
+                          <a:effectLst/>
+                        </a:rPr>
+                        <a:t>1</a:t>
+                      </a:r>
+                      <a:endParaRPr lang="en-US" sz="1600" b="0" i="0" u="none" strike="noStrike">
+                        <a:solidFill>
+                          <a:srgbClr val="000000"/>
+                        </a:solidFill>
+                        <a:effectLst/>
+                        <a:latin typeface="Calibri" panose="020F0502020204030204" pitchFamily="34" charset="0"/>
+                      </a:endParaRPr>
+                    </a:p>
+                  </a:txBody>
+                  <a:tcPr marL="6873" marR="6873" marT="6873" marB="0" anchor="b"/>
+                </a:tc>
+                <a:tc>
+                  <a:txBody>
+                    <a:bodyPr/>
+                    <a:lstStyle/>
+                    <a:p>
+                      <a:pPr algn="r" fontAlgn="b"/>
+                      <a:r>
+                        <a:rPr lang="en-US" sz="1600" u="none" strike="noStrike">
+                          <a:effectLst/>
+                        </a:rPr>
+                        <a:t>1000</a:t>
+                      </a:r>
+                      <a:endParaRPr lang="en-US" sz="1600" b="0" i="0" u="none" strike="noStrike">
+                        <a:solidFill>
+                          <a:srgbClr val="000000"/>
+                        </a:solidFill>
+                        <a:effectLst/>
+                        <a:latin typeface="Calibri" panose="020F0502020204030204" pitchFamily="34" charset="0"/>
+                      </a:endParaRPr>
+                    </a:p>
+                  </a:txBody>
+                  <a:tcPr marL="6873" marR="6873" marT="6873" marB="0" anchor="b"/>
+                </a:tc>
+                <a:extLst>
+                  <a:ext uri="{0D108BD9-81ED-4DB2-BD59-A6C34878D82A}">
+                    <a16:rowId xmlns:a16="http://schemas.microsoft.com/office/drawing/2014/main" val="1511431979"/>
+                  </a:ext>
+                </a:extLst>
+              </a:tr>
+              <a:tr h="211655">
+                <a:tc>
+                  <a:txBody>
+                    <a:bodyPr/>
+                    <a:lstStyle/>
+                    <a:p>
+                      <a:pPr algn="r" fontAlgn="b"/>
+                      <a:r>
+                        <a:rPr lang="en-US" sz="1600" u="none" strike="noStrike">
+                          <a:effectLst/>
+                        </a:rPr>
+                        <a:t>11</a:t>
+                      </a:r>
+                      <a:endParaRPr lang="en-US" sz="1600" b="0" i="0" u="none" strike="noStrike">
+                        <a:solidFill>
+                          <a:srgbClr val="000000"/>
+                        </a:solidFill>
+                        <a:effectLst/>
+                        <a:latin typeface="Calibri" panose="020F0502020204030204" pitchFamily="34" charset="0"/>
+                      </a:endParaRPr>
+                    </a:p>
+                  </a:txBody>
+                  <a:tcPr marL="6873" marR="6873" marT="6873" marB="0" anchor="b"/>
+                </a:tc>
+                <a:tc>
+                  <a:txBody>
+                    <a:bodyPr/>
+                    <a:lstStyle/>
+                    <a:p>
+                      <a:pPr algn="l" fontAlgn="b"/>
+                      <a:r>
+                        <a:rPr lang="en-US" sz="1600" u="none" strike="noStrike">
+                          <a:effectLst/>
+                        </a:rPr>
+                        <a:t>INTERNET</a:t>
+                      </a:r>
+                      <a:endParaRPr lang="en-US" sz="1600" b="0" i="0" u="none" strike="noStrike">
+                        <a:solidFill>
+                          <a:srgbClr val="000000"/>
+                        </a:solidFill>
+                        <a:effectLst/>
+                        <a:latin typeface="Calibri" panose="020F0502020204030204" pitchFamily="34" charset="0"/>
+                      </a:endParaRPr>
+                    </a:p>
+                  </a:txBody>
+                  <a:tcPr marL="6873" marR="6873" marT="6873" marB="0" anchor="b"/>
+                </a:tc>
+                <a:tc>
+                  <a:txBody>
+                    <a:bodyPr/>
+                    <a:lstStyle/>
+                    <a:p>
+                      <a:pPr algn="l" fontAlgn="b"/>
+                      <a:r>
+                        <a:rPr lang="en-US" sz="1600" u="none" strike="noStrike">
+                          <a:effectLst/>
+                        </a:rPr>
+                        <a:t>Wi‑Fi data connection plan (monthly)</a:t>
+                      </a:r>
+                      <a:endParaRPr lang="en-US" sz="1600" b="0" i="0" u="none" strike="noStrike">
+                        <a:solidFill>
+                          <a:srgbClr val="000000"/>
+                        </a:solidFill>
+                        <a:effectLst/>
+                        <a:latin typeface="Calibri" panose="020F0502020204030204" pitchFamily="34" charset="0"/>
+                      </a:endParaRPr>
+                    </a:p>
+                  </a:txBody>
+                  <a:tcPr marL="6873" marR="6873" marT="6873" marB="0" anchor="b"/>
+                </a:tc>
+                <a:tc>
+                  <a:txBody>
+                    <a:bodyPr/>
+                    <a:lstStyle/>
+                    <a:p>
+                      <a:pPr algn="r" fontAlgn="b"/>
+                      <a:r>
+                        <a:rPr lang="en-US" sz="1600" u="none" strike="noStrike">
+                          <a:effectLst/>
+                        </a:rPr>
+                        <a:t>1000</a:t>
+                      </a:r>
+                      <a:endParaRPr lang="en-US" sz="1600" b="0" i="0" u="none" strike="noStrike">
+                        <a:solidFill>
+                          <a:srgbClr val="000000"/>
+                        </a:solidFill>
+                        <a:effectLst/>
+                        <a:latin typeface="Calibri" panose="020F0502020204030204" pitchFamily="34" charset="0"/>
+                      </a:endParaRPr>
+                    </a:p>
+                  </a:txBody>
+                  <a:tcPr marL="6873" marR="6873" marT="6873" marB="0" anchor="b"/>
+                </a:tc>
+                <a:tc>
+                  <a:txBody>
+                    <a:bodyPr/>
+                    <a:lstStyle/>
+                    <a:p>
+                      <a:pPr algn="r" fontAlgn="b"/>
+                      <a:r>
+                        <a:rPr lang="en-US" sz="1600" u="none" strike="noStrike">
+                          <a:effectLst/>
+                        </a:rPr>
+                        <a:t>2</a:t>
+                      </a:r>
+                      <a:endParaRPr lang="en-US" sz="1600" b="0" i="0" u="none" strike="noStrike">
+                        <a:solidFill>
+                          <a:srgbClr val="000000"/>
+                        </a:solidFill>
+                        <a:effectLst/>
+                        <a:latin typeface="Calibri" panose="020F0502020204030204" pitchFamily="34" charset="0"/>
+                      </a:endParaRPr>
+                    </a:p>
+                  </a:txBody>
+                  <a:tcPr marL="6873" marR="6873" marT="6873" marB="0" anchor="b"/>
+                </a:tc>
+                <a:tc>
+                  <a:txBody>
+                    <a:bodyPr/>
+                    <a:lstStyle/>
+                    <a:p>
+                      <a:pPr algn="r" fontAlgn="b"/>
+                      <a:r>
+                        <a:rPr lang="en-US" sz="1600" u="none" strike="noStrike">
+                          <a:effectLst/>
+                        </a:rPr>
+                        <a:t>2000</a:t>
+                      </a:r>
+                      <a:endParaRPr lang="en-US" sz="1600" b="0" i="0" u="none" strike="noStrike">
+                        <a:solidFill>
+                          <a:srgbClr val="000000"/>
+                        </a:solidFill>
+                        <a:effectLst/>
+                        <a:latin typeface="Calibri" panose="020F0502020204030204" pitchFamily="34" charset="0"/>
+                      </a:endParaRPr>
+                    </a:p>
+                  </a:txBody>
+                  <a:tcPr marL="6873" marR="6873" marT="6873" marB="0" anchor="b"/>
+                </a:tc>
+                <a:extLst>
+                  <a:ext uri="{0D108BD9-81ED-4DB2-BD59-A6C34878D82A}">
+                    <a16:rowId xmlns:a16="http://schemas.microsoft.com/office/drawing/2014/main" val="2698799948"/>
+                  </a:ext>
+                </a:extLst>
+              </a:tr>
+              <a:tr h="211655">
+                <a:tc>
+                  <a:txBody>
+                    <a:bodyPr/>
+                    <a:lstStyle/>
+                    <a:p>
+                      <a:pPr algn="r" fontAlgn="b"/>
+                      <a:r>
+                        <a:rPr lang="en-US" sz="1600" u="none" strike="noStrike">
+                          <a:effectLst/>
+                        </a:rPr>
+                        <a:t>12</a:t>
+                      </a:r>
+                      <a:endParaRPr lang="en-US" sz="1600" b="0" i="0" u="none" strike="noStrike">
+                        <a:solidFill>
+                          <a:srgbClr val="000000"/>
+                        </a:solidFill>
+                        <a:effectLst/>
+                        <a:latin typeface="Calibri" panose="020F0502020204030204" pitchFamily="34" charset="0"/>
+                      </a:endParaRPr>
+                    </a:p>
+                  </a:txBody>
+                  <a:tcPr marL="6873" marR="6873" marT="6873" marB="0" anchor="b"/>
+                </a:tc>
+                <a:tc>
+                  <a:txBody>
+                    <a:bodyPr/>
+                    <a:lstStyle/>
+                    <a:p>
+                      <a:pPr algn="l" fontAlgn="b"/>
+                      <a:r>
+                        <a:rPr lang="en-US" sz="1600" u="none" strike="noStrike">
+                          <a:effectLst/>
+                        </a:rPr>
+                        <a:t>DHT11</a:t>
+                      </a:r>
+                      <a:endParaRPr lang="en-US" sz="1600" b="0" i="0" u="none" strike="noStrike">
+                        <a:solidFill>
+                          <a:srgbClr val="000000"/>
+                        </a:solidFill>
+                        <a:effectLst/>
+                        <a:latin typeface="Calibri" panose="020F0502020204030204" pitchFamily="34" charset="0"/>
+                      </a:endParaRPr>
+                    </a:p>
+                  </a:txBody>
+                  <a:tcPr marL="6873" marR="6873" marT="6873" marB="0" anchor="b"/>
+                </a:tc>
+                <a:tc>
+                  <a:txBody>
+                    <a:bodyPr/>
+                    <a:lstStyle/>
+                    <a:p>
+                      <a:pPr algn="l" fontAlgn="b"/>
+                      <a:r>
+                        <a:rPr lang="en-US" sz="1600" u="none" strike="noStrike">
+                          <a:effectLst/>
+                        </a:rPr>
+                        <a:t>Temp/humidity sensor module (5 V)</a:t>
+                      </a:r>
+                      <a:endParaRPr lang="en-US" sz="1600" b="0" i="0" u="none" strike="noStrike">
+                        <a:solidFill>
+                          <a:srgbClr val="000000"/>
+                        </a:solidFill>
+                        <a:effectLst/>
+                        <a:latin typeface="Calibri" panose="020F0502020204030204" pitchFamily="34" charset="0"/>
+                      </a:endParaRPr>
+                    </a:p>
+                  </a:txBody>
+                  <a:tcPr marL="6873" marR="6873" marT="6873" marB="0" anchor="b"/>
+                </a:tc>
+                <a:tc>
+                  <a:txBody>
+                    <a:bodyPr/>
+                    <a:lstStyle/>
+                    <a:p>
+                      <a:pPr algn="r" fontAlgn="b"/>
+                      <a:r>
+                        <a:rPr lang="en-US" sz="1600" u="none" strike="noStrike">
+                          <a:effectLst/>
+                        </a:rPr>
+                        <a:t>500</a:t>
+                      </a:r>
+                      <a:endParaRPr lang="en-US" sz="1600" b="0" i="0" u="none" strike="noStrike">
+                        <a:solidFill>
+                          <a:srgbClr val="000000"/>
+                        </a:solidFill>
+                        <a:effectLst/>
+                        <a:latin typeface="Calibri" panose="020F0502020204030204" pitchFamily="34" charset="0"/>
+                      </a:endParaRPr>
+                    </a:p>
+                  </a:txBody>
+                  <a:tcPr marL="6873" marR="6873" marT="6873" marB="0" anchor="b"/>
+                </a:tc>
+                <a:tc>
+                  <a:txBody>
+                    <a:bodyPr/>
+                    <a:lstStyle/>
+                    <a:p>
+                      <a:pPr algn="r" fontAlgn="b"/>
+                      <a:r>
+                        <a:rPr lang="en-US" sz="1600" u="none" strike="noStrike">
+                          <a:effectLst/>
+                        </a:rPr>
+                        <a:t>1</a:t>
+                      </a:r>
+                      <a:endParaRPr lang="en-US" sz="1600" b="0" i="0" u="none" strike="noStrike">
+                        <a:solidFill>
+                          <a:srgbClr val="000000"/>
+                        </a:solidFill>
+                        <a:effectLst/>
+                        <a:latin typeface="Calibri" panose="020F0502020204030204" pitchFamily="34" charset="0"/>
+                      </a:endParaRPr>
+                    </a:p>
+                  </a:txBody>
+                  <a:tcPr marL="6873" marR="6873" marT="6873" marB="0" anchor="b"/>
+                </a:tc>
+                <a:tc>
+                  <a:txBody>
+                    <a:bodyPr/>
+                    <a:lstStyle/>
+                    <a:p>
+                      <a:pPr algn="r" fontAlgn="b"/>
+                      <a:r>
+                        <a:rPr lang="en-US" sz="1600" u="none" strike="noStrike">
+                          <a:effectLst/>
+                        </a:rPr>
+                        <a:t>500</a:t>
+                      </a:r>
+                      <a:endParaRPr lang="en-US" sz="1600" b="0" i="0" u="none" strike="noStrike">
+                        <a:solidFill>
+                          <a:srgbClr val="000000"/>
+                        </a:solidFill>
+                        <a:effectLst/>
+                        <a:latin typeface="Calibri" panose="020F0502020204030204" pitchFamily="34" charset="0"/>
+                      </a:endParaRPr>
+                    </a:p>
+                  </a:txBody>
+                  <a:tcPr marL="6873" marR="6873" marT="6873" marB="0" anchor="b"/>
+                </a:tc>
+                <a:extLst>
+                  <a:ext uri="{0D108BD9-81ED-4DB2-BD59-A6C34878D82A}">
+                    <a16:rowId xmlns:a16="http://schemas.microsoft.com/office/drawing/2014/main" val="891420226"/>
+                  </a:ext>
+                </a:extLst>
+              </a:tr>
+              <a:tr h="211655">
+                <a:tc>
+                  <a:txBody>
+                    <a:bodyPr/>
+                    <a:lstStyle/>
+                    <a:p>
+                      <a:pPr algn="r" fontAlgn="b"/>
+                      <a:r>
+                        <a:rPr lang="en-US" sz="1600" u="none" strike="noStrike">
+                          <a:effectLst/>
+                        </a:rPr>
+                        <a:t>13</a:t>
+                      </a:r>
+                      <a:endParaRPr lang="en-US" sz="1600" b="0" i="0" u="none" strike="noStrike">
+                        <a:solidFill>
+                          <a:srgbClr val="000000"/>
+                        </a:solidFill>
+                        <a:effectLst/>
+                        <a:latin typeface="Calibri" panose="020F0502020204030204" pitchFamily="34" charset="0"/>
+                      </a:endParaRPr>
+                    </a:p>
+                  </a:txBody>
+                  <a:tcPr marL="6873" marR="6873" marT="6873" marB="0" anchor="b"/>
+                </a:tc>
+                <a:tc>
+                  <a:txBody>
+                    <a:bodyPr/>
+                    <a:lstStyle/>
+                    <a:p>
+                      <a:pPr algn="l" fontAlgn="b"/>
+                      <a:r>
+                        <a:rPr lang="en-US" sz="1600" u="none" strike="noStrike">
+                          <a:effectLst/>
+                        </a:rPr>
+                        <a:t>ACCESS POINT</a:t>
+                      </a:r>
+                      <a:endParaRPr lang="en-US" sz="1600" b="0" i="0" u="none" strike="noStrike">
+                        <a:solidFill>
+                          <a:srgbClr val="000000"/>
+                        </a:solidFill>
+                        <a:effectLst/>
+                        <a:latin typeface="Calibri" panose="020F0502020204030204" pitchFamily="34" charset="0"/>
+                      </a:endParaRPr>
+                    </a:p>
+                  </a:txBody>
+                  <a:tcPr marL="6873" marR="6873" marT="6873" marB="0" anchor="b"/>
+                </a:tc>
+                <a:tc>
+                  <a:txBody>
+                    <a:bodyPr/>
+                    <a:lstStyle/>
+                    <a:p>
+                      <a:pPr algn="l" fontAlgn="b"/>
+                      <a:r>
+                        <a:rPr lang="en-US" sz="1600" u="none" strike="noStrike">
+                          <a:effectLst/>
+                        </a:rPr>
+                        <a:t>Wi‑Fi router</a:t>
+                      </a:r>
+                      <a:endParaRPr lang="en-US" sz="1600" b="0" i="0" u="none" strike="noStrike">
+                        <a:solidFill>
+                          <a:srgbClr val="000000"/>
+                        </a:solidFill>
+                        <a:effectLst/>
+                        <a:latin typeface="Calibri" panose="020F0502020204030204" pitchFamily="34" charset="0"/>
+                      </a:endParaRPr>
+                    </a:p>
+                  </a:txBody>
+                  <a:tcPr marL="6873" marR="6873" marT="6873" marB="0" anchor="b"/>
+                </a:tc>
+                <a:tc>
+                  <a:txBody>
+                    <a:bodyPr/>
+                    <a:lstStyle/>
+                    <a:p>
+                      <a:pPr algn="r" fontAlgn="b"/>
+                      <a:r>
+                        <a:rPr lang="en-US" sz="1600" u="none" strike="noStrike">
+                          <a:effectLst/>
+                        </a:rPr>
+                        <a:t>2500</a:t>
+                      </a:r>
+                      <a:endParaRPr lang="en-US" sz="1600" b="0" i="0" u="none" strike="noStrike">
+                        <a:solidFill>
+                          <a:srgbClr val="000000"/>
+                        </a:solidFill>
+                        <a:effectLst/>
+                        <a:latin typeface="Calibri" panose="020F0502020204030204" pitchFamily="34" charset="0"/>
+                      </a:endParaRPr>
+                    </a:p>
+                  </a:txBody>
+                  <a:tcPr marL="6873" marR="6873" marT="6873" marB="0" anchor="b"/>
+                </a:tc>
+                <a:tc>
+                  <a:txBody>
+                    <a:bodyPr/>
+                    <a:lstStyle/>
+                    <a:p>
+                      <a:pPr algn="r" fontAlgn="b"/>
+                      <a:r>
+                        <a:rPr lang="en-US" sz="1600" u="none" strike="noStrike">
+                          <a:effectLst/>
+                        </a:rPr>
+                        <a:t>1</a:t>
+                      </a:r>
+                      <a:endParaRPr lang="en-US" sz="1600" b="0" i="0" u="none" strike="noStrike">
+                        <a:solidFill>
+                          <a:srgbClr val="000000"/>
+                        </a:solidFill>
+                        <a:effectLst/>
+                        <a:latin typeface="Calibri" panose="020F0502020204030204" pitchFamily="34" charset="0"/>
+                      </a:endParaRPr>
+                    </a:p>
+                  </a:txBody>
+                  <a:tcPr marL="6873" marR="6873" marT="6873" marB="0" anchor="b"/>
+                </a:tc>
+                <a:tc>
+                  <a:txBody>
+                    <a:bodyPr/>
+                    <a:lstStyle/>
+                    <a:p>
+                      <a:pPr algn="r" fontAlgn="b"/>
+                      <a:r>
+                        <a:rPr lang="en-US" sz="1600" u="none" strike="noStrike">
+                          <a:effectLst/>
+                        </a:rPr>
+                        <a:t>2500</a:t>
+                      </a:r>
+                      <a:endParaRPr lang="en-US" sz="1600" b="0" i="0" u="none" strike="noStrike">
+                        <a:solidFill>
+                          <a:srgbClr val="000000"/>
+                        </a:solidFill>
+                        <a:effectLst/>
+                        <a:latin typeface="Calibri" panose="020F0502020204030204" pitchFamily="34" charset="0"/>
+                      </a:endParaRPr>
+                    </a:p>
+                  </a:txBody>
+                  <a:tcPr marL="6873" marR="6873" marT="6873" marB="0" anchor="b"/>
+                </a:tc>
+                <a:extLst>
+                  <a:ext uri="{0D108BD9-81ED-4DB2-BD59-A6C34878D82A}">
+                    <a16:rowId xmlns:a16="http://schemas.microsoft.com/office/drawing/2014/main" val="2946548225"/>
+                  </a:ext>
+                </a:extLst>
+              </a:tr>
+              <a:tr h="211655">
+                <a:tc>
+                  <a:txBody>
+                    <a:bodyPr/>
+                    <a:lstStyle/>
+                    <a:p>
+                      <a:pPr algn="r" fontAlgn="b"/>
+                      <a:r>
+                        <a:rPr lang="en-US" sz="1600" u="none" strike="noStrike">
+                          <a:effectLst/>
+                        </a:rPr>
+                        <a:t>14</a:t>
+                      </a:r>
+                      <a:endParaRPr lang="en-US" sz="1600" b="0" i="0" u="none" strike="noStrike">
+                        <a:solidFill>
+                          <a:srgbClr val="000000"/>
+                        </a:solidFill>
+                        <a:effectLst/>
+                        <a:latin typeface="Calibri" panose="020F0502020204030204" pitchFamily="34" charset="0"/>
+                      </a:endParaRPr>
+                    </a:p>
+                  </a:txBody>
+                  <a:tcPr marL="6873" marR="6873" marT="6873" marB="0" anchor="b"/>
+                </a:tc>
+                <a:tc>
+                  <a:txBody>
+                    <a:bodyPr/>
+                    <a:lstStyle/>
+                    <a:p>
+                      <a:pPr algn="l" fontAlgn="b"/>
+                      <a:r>
+                        <a:rPr lang="en-US" sz="1600" u="none" strike="noStrike">
+                          <a:effectLst/>
+                        </a:rPr>
+                        <a:t>POWERBANK</a:t>
+                      </a:r>
+                      <a:endParaRPr lang="en-US" sz="1600" b="0" i="0" u="none" strike="noStrike">
+                        <a:solidFill>
+                          <a:srgbClr val="000000"/>
+                        </a:solidFill>
+                        <a:effectLst/>
+                        <a:latin typeface="Calibri" panose="020F0502020204030204" pitchFamily="34" charset="0"/>
+                      </a:endParaRPr>
+                    </a:p>
+                  </a:txBody>
+                  <a:tcPr marL="6873" marR="6873" marT="6873" marB="0" anchor="b"/>
+                </a:tc>
+                <a:tc>
+                  <a:txBody>
+                    <a:bodyPr/>
+                    <a:lstStyle/>
+                    <a:p>
+                      <a:pPr algn="l" fontAlgn="b"/>
+                      <a:r>
+                        <a:rPr lang="en-US" sz="1600" u="none" strike="noStrike">
+                          <a:effectLst/>
+                        </a:rPr>
+                        <a:t>10 000 mAh USB power bank</a:t>
+                      </a:r>
+                      <a:endParaRPr lang="en-US" sz="1600" b="0" i="0" u="none" strike="noStrike">
+                        <a:solidFill>
+                          <a:srgbClr val="000000"/>
+                        </a:solidFill>
+                        <a:effectLst/>
+                        <a:latin typeface="Calibri" panose="020F0502020204030204" pitchFamily="34" charset="0"/>
+                      </a:endParaRPr>
+                    </a:p>
+                  </a:txBody>
+                  <a:tcPr marL="6873" marR="6873" marT="6873" marB="0" anchor="b"/>
+                </a:tc>
+                <a:tc>
+                  <a:txBody>
+                    <a:bodyPr/>
+                    <a:lstStyle/>
+                    <a:p>
+                      <a:pPr algn="r" fontAlgn="b"/>
+                      <a:r>
+                        <a:rPr lang="en-US" sz="1600" u="none" strike="noStrike">
+                          <a:effectLst/>
+                        </a:rPr>
+                        <a:t>1200</a:t>
+                      </a:r>
+                      <a:endParaRPr lang="en-US" sz="1600" b="0" i="0" u="none" strike="noStrike">
+                        <a:solidFill>
+                          <a:srgbClr val="000000"/>
+                        </a:solidFill>
+                        <a:effectLst/>
+                        <a:latin typeface="Calibri" panose="020F0502020204030204" pitchFamily="34" charset="0"/>
+                      </a:endParaRPr>
+                    </a:p>
+                  </a:txBody>
+                  <a:tcPr marL="6873" marR="6873" marT="6873" marB="0" anchor="b"/>
+                </a:tc>
+                <a:tc>
+                  <a:txBody>
+                    <a:bodyPr/>
+                    <a:lstStyle/>
+                    <a:p>
+                      <a:pPr algn="r" fontAlgn="b"/>
+                      <a:r>
+                        <a:rPr lang="en-US" sz="1600" u="none" strike="noStrike">
+                          <a:effectLst/>
+                        </a:rPr>
+                        <a:t>1</a:t>
+                      </a:r>
+                      <a:endParaRPr lang="en-US" sz="1600" b="0" i="0" u="none" strike="noStrike">
+                        <a:solidFill>
+                          <a:srgbClr val="000000"/>
+                        </a:solidFill>
+                        <a:effectLst/>
+                        <a:latin typeface="Calibri" panose="020F0502020204030204" pitchFamily="34" charset="0"/>
+                      </a:endParaRPr>
+                    </a:p>
+                  </a:txBody>
+                  <a:tcPr marL="6873" marR="6873" marT="6873" marB="0" anchor="b"/>
+                </a:tc>
+                <a:tc>
+                  <a:txBody>
+                    <a:bodyPr/>
+                    <a:lstStyle/>
+                    <a:p>
+                      <a:pPr algn="r" fontAlgn="b"/>
+                      <a:r>
+                        <a:rPr lang="en-US" sz="1600" u="none" strike="noStrike">
+                          <a:effectLst/>
+                        </a:rPr>
+                        <a:t>1200</a:t>
+                      </a:r>
+                      <a:endParaRPr lang="en-US" sz="1600" b="0" i="0" u="none" strike="noStrike">
+                        <a:solidFill>
+                          <a:srgbClr val="000000"/>
+                        </a:solidFill>
+                        <a:effectLst/>
+                        <a:latin typeface="Calibri" panose="020F0502020204030204" pitchFamily="34" charset="0"/>
+                      </a:endParaRPr>
+                    </a:p>
+                  </a:txBody>
+                  <a:tcPr marL="6873" marR="6873" marT="6873" marB="0" anchor="b"/>
+                </a:tc>
+                <a:extLst>
+                  <a:ext uri="{0D108BD9-81ED-4DB2-BD59-A6C34878D82A}">
+                    <a16:rowId xmlns:a16="http://schemas.microsoft.com/office/drawing/2014/main" val="487114450"/>
+                  </a:ext>
+                </a:extLst>
+              </a:tr>
+              <a:tr h="211655">
+                <a:tc>
+                  <a:txBody>
+                    <a:bodyPr/>
+                    <a:lstStyle/>
+                    <a:p>
+                      <a:pPr algn="r" fontAlgn="b"/>
+                      <a:r>
+                        <a:rPr lang="en-US" sz="1600" u="none" strike="noStrike">
+                          <a:effectLst/>
+                        </a:rPr>
+                        <a:t>15</a:t>
+                      </a:r>
+                      <a:endParaRPr lang="en-US" sz="1600" b="0" i="0" u="none" strike="noStrike">
+                        <a:solidFill>
+                          <a:srgbClr val="000000"/>
+                        </a:solidFill>
+                        <a:effectLst/>
+                        <a:latin typeface="Calibri" panose="020F0502020204030204" pitchFamily="34" charset="0"/>
+                      </a:endParaRPr>
+                    </a:p>
+                  </a:txBody>
+                  <a:tcPr marL="6873" marR="6873" marT="6873" marB="0" anchor="b"/>
+                </a:tc>
+                <a:tc>
+                  <a:txBody>
+                    <a:bodyPr/>
+                    <a:lstStyle/>
+                    <a:p>
+                      <a:pPr algn="l" fontAlgn="b"/>
+                      <a:r>
+                        <a:rPr lang="en-US" sz="1600" u="none" strike="noStrike">
+                          <a:effectLst/>
+                        </a:rPr>
+                        <a:t>Miscellaneous</a:t>
+                      </a:r>
+                      <a:endParaRPr lang="en-US" sz="1600" b="0" i="0" u="none" strike="noStrike">
+                        <a:solidFill>
+                          <a:srgbClr val="000000"/>
+                        </a:solidFill>
+                        <a:effectLst/>
+                        <a:latin typeface="Times New Roman" panose="02020603050405020304" pitchFamily="18" charset="0"/>
+                      </a:endParaRPr>
+                    </a:p>
+                  </a:txBody>
+                  <a:tcPr marL="6873" marR="6873" marT="6873" marB="0" anchor="b"/>
+                </a:tc>
+                <a:tc>
+                  <a:txBody>
+                    <a:bodyPr/>
+                    <a:lstStyle/>
+                    <a:p>
+                      <a:pPr algn="l" fontAlgn="b"/>
+                      <a:r>
+                        <a:rPr lang="en-US" sz="1600" u="none" strike="noStrike">
+                          <a:effectLst/>
+                        </a:rPr>
+                        <a:t>Screws, headers, mounts.</a:t>
+                      </a:r>
+                      <a:endParaRPr lang="en-US" sz="1600" b="0" i="0" u="none" strike="noStrike">
+                        <a:solidFill>
+                          <a:srgbClr val="000000"/>
+                        </a:solidFill>
+                        <a:effectLst/>
+                        <a:latin typeface="Calibri" panose="020F0502020204030204" pitchFamily="34" charset="0"/>
+                      </a:endParaRPr>
+                    </a:p>
+                  </a:txBody>
+                  <a:tcPr marL="6873" marR="6873" marT="6873" marB="0" anchor="b"/>
+                </a:tc>
+                <a:tc>
+                  <a:txBody>
+                    <a:bodyPr/>
+                    <a:lstStyle/>
+                    <a:p>
+                      <a:pPr algn="r" fontAlgn="b"/>
+                      <a:r>
+                        <a:rPr lang="en-US" sz="1600" u="none" strike="noStrike">
+                          <a:effectLst/>
+                        </a:rPr>
+                        <a:t>400</a:t>
+                      </a:r>
+                      <a:endParaRPr lang="en-US" sz="1600" b="0" i="0" u="none" strike="noStrike">
+                        <a:solidFill>
+                          <a:srgbClr val="000000"/>
+                        </a:solidFill>
+                        <a:effectLst/>
+                        <a:latin typeface="Calibri" panose="020F0502020204030204" pitchFamily="34" charset="0"/>
+                      </a:endParaRPr>
+                    </a:p>
+                  </a:txBody>
+                  <a:tcPr marL="6873" marR="6873" marT="6873" marB="0" anchor="b"/>
+                </a:tc>
+                <a:tc>
+                  <a:txBody>
+                    <a:bodyPr/>
+                    <a:lstStyle/>
+                    <a:p>
+                      <a:pPr algn="r" fontAlgn="b"/>
+                      <a:r>
+                        <a:rPr lang="en-US" sz="1600" u="none" strike="noStrike">
+                          <a:effectLst/>
+                        </a:rPr>
+                        <a:t>1</a:t>
+                      </a:r>
+                      <a:endParaRPr lang="en-US" sz="1600" b="0" i="0" u="none" strike="noStrike">
+                        <a:solidFill>
+                          <a:srgbClr val="000000"/>
+                        </a:solidFill>
+                        <a:effectLst/>
+                        <a:latin typeface="Calibri" panose="020F0502020204030204" pitchFamily="34" charset="0"/>
+                      </a:endParaRPr>
+                    </a:p>
+                  </a:txBody>
+                  <a:tcPr marL="6873" marR="6873" marT="6873" marB="0" anchor="b"/>
+                </a:tc>
+                <a:tc>
+                  <a:txBody>
+                    <a:bodyPr/>
+                    <a:lstStyle/>
+                    <a:p>
+                      <a:pPr algn="r" fontAlgn="b"/>
+                      <a:r>
+                        <a:rPr lang="en-US" sz="1600" u="none" strike="noStrike">
+                          <a:effectLst/>
+                        </a:rPr>
+                        <a:t>400</a:t>
+                      </a:r>
+                      <a:endParaRPr lang="en-US" sz="1600" b="0" i="0" u="none" strike="noStrike">
+                        <a:solidFill>
+                          <a:srgbClr val="000000"/>
+                        </a:solidFill>
+                        <a:effectLst/>
+                        <a:latin typeface="Calibri" panose="020F0502020204030204" pitchFamily="34" charset="0"/>
+                      </a:endParaRPr>
+                    </a:p>
+                  </a:txBody>
+                  <a:tcPr marL="6873" marR="6873" marT="6873" marB="0" anchor="b"/>
+                </a:tc>
+                <a:extLst>
+                  <a:ext uri="{0D108BD9-81ED-4DB2-BD59-A6C34878D82A}">
+                    <a16:rowId xmlns:a16="http://schemas.microsoft.com/office/drawing/2014/main" val="2397258751"/>
+                  </a:ext>
+                </a:extLst>
+              </a:tr>
+              <a:tr h="211655">
+                <a:tc>
+                  <a:txBody>
+                    <a:bodyPr/>
+                    <a:lstStyle/>
+                    <a:p>
+                      <a:pPr algn="r" fontAlgn="b"/>
+                      <a:r>
+                        <a:rPr lang="en-US" sz="1600" u="none" strike="noStrike">
+                          <a:effectLst/>
+                        </a:rPr>
+                        <a:t>16</a:t>
+                      </a:r>
+                      <a:endParaRPr lang="en-US" sz="1600" b="0" i="0" u="none" strike="noStrike">
+                        <a:solidFill>
+                          <a:srgbClr val="000000"/>
+                        </a:solidFill>
+                        <a:effectLst/>
+                        <a:latin typeface="Calibri" panose="020F0502020204030204" pitchFamily="34" charset="0"/>
+                      </a:endParaRPr>
+                    </a:p>
+                  </a:txBody>
+                  <a:tcPr marL="6873" marR="6873" marT="6873" marB="0" anchor="b"/>
+                </a:tc>
+                <a:tc>
+                  <a:txBody>
+                    <a:bodyPr/>
+                    <a:lstStyle/>
+                    <a:p>
+                      <a:pPr algn="l" fontAlgn="b"/>
+                      <a:r>
+                        <a:rPr lang="en-US" sz="1600" u="none" strike="noStrike">
+                          <a:effectLst/>
+                        </a:rPr>
+                        <a:t>LEDS</a:t>
+                      </a:r>
+                      <a:endParaRPr lang="en-US" sz="1600" b="0" i="0" u="none" strike="noStrike">
+                        <a:solidFill>
+                          <a:srgbClr val="000000"/>
+                        </a:solidFill>
+                        <a:effectLst/>
+                        <a:latin typeface="Calibri" panose="020F0502020204030204" pitchFamily="34" charset="0"/>
+                      </a:endParaRPr>
+                    </a:p>
+                  </a:txBody>
+                  <a:tcPr marL="6873" marR="6873" marT="6873" marB="0" anchor="b"/>
+                </a:tc>
+                <a:tc>
+                  <a:txBody>
+                    <a:bodyPr/>
+                    <a:lstStyle/>
+                    <a:p>
+                      <a:pPr algn="l" fontAlgn="b"/>
+                      <a:r>
+                        <a:rPr lang="en-US" sz="1600" u="none" strike="noStrike">
+                          <a:effectLst/>
+                        </a:rPr>
+                        <a:t>5 mm LEDs (e.g., red, green, blue).</a:t>
+                      </a:r>
+                      <a:endParaRPr lang="en-US" sz="1600" b="0" i="0" u="none" strike="noStrike">
+                        <a:solidFill>
+                          <a:srgbClr val="000000"/>
+                        </a:solidFill>
+                        <a:effectLst/>
+                        <a:latin typeface="Calibri" panose="020F0502020204030204" pitchFamily="34" charset="0"/>
+                      </a:endParaRPr>
+                    </a:p>
+                  </a:txBody>
+                  <a:tcPr marL="6873" marR="6873" marT="6873" marB="0" anchor="b"/>
+                </a:tc>
+                <a:tc>
+                  <a:txBody>
+                    <a:bodyPr/>
+                    <a:lstStyle/>
+                    <a:p>
+                      <a:pPr algn="r" fontAlgn="b"/>
+                      <a:r>
+                        <a:rPr lang="en-US" sz="1600" u="none" strike="noStrike">
+                          <a:effectLst/>
+                        </a:rPr>
+                        <a:t>10</a:t>
+                      </a:r>
+                      <a:endParaRPr lang="en-US" sz="1600" b="0" i="0" u="none" strike="noStrike">
+                        <a:solidFill>
+                          <a:srgbClr val="000000"/>
+                        </a:solidFill>
+                        <a:effectLst/>
+                        <a:latin typeface="Calibri" panose="020F0502020204030204" pitchFamily="34" charset="0"/>
+                      </a:endParaRPr>
+                    </a:p>
+                  </a:txBody>
+                  <a:tcPr marL="6873" marR="6873" marT="6873" marB="0" anchor="b"/>
+                </a:tc>
+                <a:tc>
+                  <a:txBody>
+                    <a:bodyPr/>
+                    <a:lstStyle/>
+                    <a:p>
+                      <a:pPr algn="r" fontAlgn="b"/>
+                      <a:r>
+                        <a:rPr lang="en-US" sz="1600" u="none" strike="noStrike">
+                          <a:effectLst/>
+                        </a:rPr>
+                        <a:t>10</a:t>
+                      </a:r>
+                      <a:endParaRPr lang="en-US" sz="1600" b="0" i="0" u="none" strike="noStrike">
+                        <a:solidFill>
+                          <a:srgbClr val="000000"/>
+                        </a:solidFill>
+                        <a:effectLst/>
+                        <a:latin typeface="Calibri" panose="020F0502020204030204" pitchFamily="34" charset="0"/>
+                      </a:endParaRPr>
+                    </a:p>
+                  </a:txBody>
+                  <a:tcPr marL="6873" marR="6873" marT="6873" marB="0" anchor="b"/>
+                </a:tc>
+                <a:tc>
+                  <a:txBody>
+                    <a:bodyPr/>
+                    <a:lstStyle/>
+                    <a:p>
+                      <a:pPr algn="r" fontAlgn="b"/>
+                      <a:r>
+                        <a:rPr lang="en-US" sz="1600" u="none" strike="noStrike">
+                          <a:effectLst/>
+                        </a:rPr>
+                        <a:t>100</a:t>
+                      </a:r>
+                      <a:endParaRPr lang="en-US" sz="1600" b="0" i="0" u="none" strike="noStrike">
+                        <a:solidFill>
+                          <a:srgbClr val="000000"/>
+                        </a:solidFill>
+                        <a:effectLst/>
+                        <a:latin typeface="Calibri" panose="020F0502020204030204" pitchFamily="34" charset="0"/>
+                      </a:endParaRPr>
+                    </a:p>
+                  </a:txBody>
+                  <a:tcPr marL="6873" marR="6873" marT="6873" marB="0" anchor="b"/>
+                </a:tc>
+                <a:extLst>
+                  <a:ext uri="{0D108BD9-81ED-4DB2-BD59-A6C34878D82A}">
+                    <a16:rowId xmlns:a16="http://schemas.microsoft.com/office/drawing/2014/main" val="1852610362"/>
+                  </a:ext>
+                </a:extLst>
+              </a:tr>
+              <a:tr h="211655">
+                <a:tc>
+                  <a:txBody>
+                    <a:bodyPr/>
+                    <a:lstStyle/>
+                    <a:p>
+                      <a:pPr algn="r" fontAlgn="b"/>
+                      <a:r>
+                        <a:rPr lang="en-US" sz="1600" u="none" strike="noStrike">
+                          <a:effectLst/>
+                        </a:rPr>
+                        <a:t>17</a:t>
+                      </a:r>
+                      <a:endParaRPr lang="en-US" sz="1600" b="0" i="0" u="none" strike="noStrike">
+                        <a:solidFill>
+                          <a:srgbClr val="000000"/>
+                        </a:solidFill>
+                        <a:effectLst/>
+                        <a:latin typeface="Calibri" panose="020F0502020204030204" pitchFamily="34" charset="0"/>
+                      </a:endParaRPr>
+                    </a:p>
+                  </a:txBody>
+                  <a:tcPr marL="6873" marR="6873" marT="6873" marB="0" anchor="b"/>
+                </a:tc>
+                <a:tc>
+                  <a:txBody>
+                    <a:bodyPr/>
+                    <a:lstStyle/>
+                    <a:p>
+                      <a:pPr algn="l" fontAlgn="b"/>
+                      <a:r>
+                        <a:rPr lang="en-US" sz="1600" u="none" strike="noStrike">
+                          <a:effectLst/>
+                        </a:rPr>
+                        <a:t>BUZZER</a:t>
+                      </a:r>
+                      <a:endParaRPr lang="en-US" sz="1600" b="0" i="0" u="none" strike="noStrike">
+                        <a:solidFill>
+                          <a:srgbClr val="000000"/>
+                        </a:solidFill>
+                        <a:effectLst/>
+                        <a:latin typeface="Calibri" panose="020F0502020204030204" pitchFamily="34" charset="0"/>
+                      </a:endParaRPr>
+                    </a:p>
+                  </a:txBody>
+                  <a:tcPr marL="6873" marR="6873" marT="6873" marB="0" anchor="b"/>
+                </a:tc>
+                <a:tc>
+                  <a:txBody>
+                    <a:bodyPr/>
+                    <a:lstStyle/>
+                    <a:p>
+                      <a:pPr algn="l" fontAlgn="b"/>
+                      <a:r>
+                        <a:rPr lang="en-US" sz="1600" u="none" strike="noStrike">
+                          <a:effectLst/>
+                        </a:rPr>
+                        <a:t>5 V active piezo buzzer.</a:t>
+                      </a:r>
+                      <a:endParaRPr lang="en-US" sz="1600" b="0" i="0" u="none" strike="noStrike">
+                        <a:solidFill>
+                          <a:srgbClr val="000000"/>
+                        </a:solidFill>
+                        <a:effectLst/>
+                        <a:latin typeface="Calibri" panose="020F0502020204030204" pitchFamily="34" charset="0"/>
+                      </a:endParaRPr>
+                    </a:p>
+                  </a:txBody>
+                  <a:tcPr marL="6873" marR="6873" marT="6873" marB="0" anchor="b"/>
+                </a:tc>
+                <a:tc>
+                  <a:txBody>
+                    <a:bodyPr/>
+                    <a:lstStyle/>
+                    <a:p>
+                      <a:pPr algn="r" fontAlgn="b"/>
+                      <a:r>
+                        <a:rPr lang="en-US" sz="1600" u="none" strike="noStrike">
+                          <a:effectLst/>
+                        </a:rPr>
+                        <a:t>2</a:t>
+                      </a:r>
+                      <a:endParaRPr lang="en-US" sz="1600" b="0" i="0" u="none" strike="noStrike">
+                        <a:solidFill>
+                          <a:srgbClr val="000000"/>
+                        </a:solidFill>
+                        <a:effectLst/>
+                        <a:latin typeface="Calibri" panose="020F0502020204030204" pitchFamily="34" charset="0"/>
+                      </a:endParaRPr>
+                    </a:p>
+                  </a:txBody>
+                  <a:tcPr marL="6873" marR="6873" marT="6873" marB="0" anchor="b"/>
+                </a:tc>
+                <a:tc>
+                  <a:txBody>
+                    <a:bodyPr/>
+                    <a:lstStyle/>
+                    <a:p>
+                      <a:pPr algn="r" fontAlgn="b"/>
+                      <a:r>
+                        <a:rPr lang="en-US" sz="1600" u="none" strike="noStrike">
+                          <a:effectLst/>
+                        </a:rPr>
+                        <a:t>20</a:t>
+                      </a:r>
+                      <a:endParaRPr lang="en-US" sz="1600" b="0" i="0" u="none" strike="noStrike">
+                        <a:solidFill>
+                          <a:srgbClr val="000000"/>
+                        </a:solidFill>
+                        <a:effectLst/>
+                        <a:latin typeface="Calibri" panose="020F0502020204030204" pitchFamily="34" charset="0"/>
+                      </a:endParaRPr>
+                    </a:p>
+                  </a:txBody>
+                  <a:tcPr marL="6873" marR="6873" marT="6873" marB="0" anchor="b"/>
+                </a:tc>
+                <a:tc>
+                  <a:txBody>
+                    <a:bodyPr/>
+                    <a:lstStyle/>
+                    <a:p>
+                      <a:pPr algn="r" fontAlgn="b"/>
+                      <a:r>
+                        <a:rPr lang="en-US" sz="1600" u="none" strike="noStrike">
+                          <a:effectLst/>
+                        </a:rPr>
+                        <a:t>40</a:t>
+                      </a:r>
+                      <a:endParaRPr lang="en-US" sz="1600" b="0" i="0" u="none" strike="noStrike">
+                        <a:solidFill>
+                          <a:srgbClr val="000000"/>
+                        </a:solidFill>
+                        <a:effectLst/>
+                        <a:latin typeface="Calibri" panose="020F0502020204030204" pitchFamily="34" charset="0"/>
+                      </a:endParaRPr>
+                    </a:p>
+                  </a:txBody>
+                  <a:tcPr marL="6873" marR="6873" marT="6873" marB="0" anchor="b"/>
+                </a:tc>
+                <a:extLst>
+                  <a:ext uri="{0D108BD9-81ED-4DB2-BD59-A6C34878D82A}">
+                    <a16:rowId xmlns:a16="http://schemas.microsoft.com/office/drawing/2014/main" val="59117606"/>
+                  </a:ext>
+                </a:extLst>
+              </a:tr>
+              <a:tr h="211655">
+                <a:tc>
+                  <a:txBody>
+                    <a:bodyPr/>
+                    <a:lstStyle/>
+                    <a:p>
+                      <a:pPr algn="r" fontAlgn="b"/>
+                      <a:r>
+                        <a:rPr lang="en-US" sz="1600" u="none" strike="noStrike">
+                          <a:effectLst/>
+                        </a:rPr>
+                        <a:t>18</a:t>
+                      </a:r>
+                      <a:endParaRPr lang="en-US" sz="1600" b="0" i="0" u="none" strike="noStrike">
+                        <a:solidFill>
+                          <a:srgbClr val="000000"/>
+                        </a:solidFill>
+                        <a:effectLst/>
+                        <a:latin typeface="Calibri" panose="020F0502020204030204" pitchFamily="34" charset="0"/>
+                      </a:endParaRPr>
+                    </a:p>
+                  </a:txBody>
+                  <a:tcPr marL="6873" marR="6873" marT="6873" marB="0" anchor="b"/>
+                </a:tc>
+                <a:tc>
+                  <a:txBody>
+                    <a:bodyPr/>
+                    <a:lstStyle/>
+                    <a:p>
+                      <a:pPr algn="l" fontAlgn="b"/>
+                      <a:r>
+                        <a:rPr lang="en-US" sz="1600" u="none" strike="noStrike">
+                          <a:effectLst/>
+                        </a:rPr>
+                        <a:t>PUSH BUTTON </a:t>
+                      </a:r>
+                      <a:endParaRPr lang="en-US" sz="1600" b="0" i="0" u="none" strike="noStrike">
+                        <a:solidFill>
+                          <a:srgbClr val="000000"/>
+                        </a:solidFill>
+                        <a:effectLst/>
+                        <a:latin typeface="Calibri" panose="020F0502020204030204" pitchFamily="34" charset="0"/>
+                      </a:endParaRPr>
+                    </a:p>
+                  </a:txBody>
+                  <a:tcPr marL="6873" marR="6873" marT="6873" marB="0" anchor="b"/>
+                </a:tc>
+                <a:tc>
+                  <a:txBody>
+                    <a:bodyPr/>
+                    <a:lstStyle/>
+                    <a:p>
+                      <a:pPr algn="l" fontAlgn="b"/>
+                      <a:r>
+                        <a:rPr lang="en-US" sz="1600" u="none" strike="noStrike">
+                          <a:effectLst/>
+                        </a:rPr>
+                        <a:t>Standard tactile push button/switch</a:t>
+                      </a:r>
+                      <a:endParaRPr lang="en-US" sz="1600" b="0" i="0" u="none" strike="noStrike">
+                        <a:solidFill>
+                          <a:srgbClr val="000000"/>
+                        </a:solidFill>
+                        <a:effectLst/>
+                        <a:latin typeface="Calibri" panose="020F0502020204030204" pitchFamily="34" charset="0"/>
+                      </a:endParaRPr>
+                    </a:p>
+                  </a:txBody>
+                  <a:tcPr marL="6873" marR="6873" marT="6873" marB="0" anchor="b"/>
+                </a:tc>
+                <a:tc>
+                  <a:txBody>
+                    <a:bodyPr/>
+                    <a:lstStyle/>
+                    <a:p>
+                      <a:pPr algn="r" fontAlgn="b"/>
+                      <a:r>
+                        <a:rPr lang="en-US" sz="1600" u="none" strike="noStrike">
+                          <a:effectLst/>
+                        </a:rPr>
+                        <a:t>1</a:t>
+                      </a:r>
+                      <a:endParaRPr lang="en-US" sz="1600" b="0" i="0" u="none" strike="noStrike">
+                        <a:solidFill>
+                          <a:srgbClr val="000000"/>
+                        </a:solidFill>
+                        <a:effectLst/>
+                        <a:latin typeface="Calibri" panose="020F0502020204030204" pitchFamily="34" charset="0"/>
+                      </a:endParaRPr>
+                    </a:p>
+                  </a:txBody>
+                  <a:tcPr marL="6873" marR="6873" marT="6873" marB="0" anchor="b"/>
+                </a:tc>
+                <a:tc>
+                  <a:txBody>
+                    <a:bodyPr/>
+                    <a:lstStyle/>
+                    <a:p>
+                      <a:pPr algn="r" fontAlgn="b"/>
+                      <a:r>
+                        <a:rPr lang="en-US" sz="1600" u="none" strike="noStrike">
+                          <a:effectLst/>
+                        </a:rPr>
+                        <a:t>20</a:t>
+                      </a:r>
+                      <a:endParaRPr lang="en-US" sz="1600" b="0" i="0" u="none" strike="noStrike">
+                        <a:solidFill>
+                          <a:srgbClr val="000000"/>
+                        </a:solidFill>
+                        <a:effectLst/>
+                        <a:latin typeface="Calibri" panose="020F0502020204030204" pitchFamily="34" charset="0"/>
+                      </a:endParaRPr>
+                    </a:p>
+                  </a:txBody>
+                  <a:tcPr marL="6873" marR="6873" marT="6873" marB="0" anchor="b"/>
+                </a:tc>
+                <a:tc>
+                  <a:txBody>
+                    <a:bodyPr/>
+                    <a:lstStyle/>
+                    <a:p>
+                      <a:pPr algn="r" fontAlgn="b"/>
+                      <a:r>
+                        <a:rPr lang="en-US" sz="1600" u="none" strike="noStrike">
+                          <a:effectLst/>
+                        </a:rPr>
+                        <a:t>20</a:t>
+                      </a:r>
+                      <a:endParaRPr lang="en-US" sz="1600" b="0" i="0" u="none" strike="noStrike">
+                        <a:solidFill>
+                          <a:srgbClr val="000000"/>
+                        </a:solidFill>
+                        <a:effectLst/>
+                        <a:latin typeface="Calibri" panose="020F0502020204030204" pitchFamily="34" charset="0"/>
+                      </a:endParaRPr>
+                    </a:p>
+                  </a:txBody>
+                  <a:tcPr marL="6873" marR="6873" marT="6873" marB="0" anchor="b"/>
+                </a:tc>
+                <a:extLst>
+                  <a:ext uri="{0D108BD9-81ED-4DB2-BD59-A6C34878D82A}">
+                    <a16:rowId xmlns:a16="http://schemas.microsoft.com/office/drawing/2014/main" val="1741520723"/>
+                  </a:ext>
+                </a:extLst>
+              </a:tr>
+              <a:tr h="211655">
+                <a:tc>
+                  <a:txBody>
+                    <a:bodyPr/>
+                    <a:lstStyle/>
+                    <a:p>
+                      <a:pPr algn="r" fontAlgn="b"/>
+                      <a:r>
+                        <a:rPr lang="en-US" sz="1600" u="none" strike="noStrike">
+                          <a:effectLst/>
+                        </a:rPr>
+                        <a:t>19</a:t>
+                      </a:r>
+                      <a:endParaRPr lang="en-US" sz="1600" b="0" i="0" u="none" strike="noStrike">
+                        <a:solidFill>
+                          <a:srgbClr val="000000"/>
+                        </a:solidFill>
+                        <a:effectLst/>
+                        <a:latin typeface="Calibri" panose="020F0502020204030204" pitchFamily="34" charset="0"/>
+                      </a:endParaRPr>
+                    </a:p>
+                  </a:txBody>
+                  <a:tcPr marL="6873" marR="6873" marT="6873" marB="0" anchor="b"/>
+                </a:tc>
+                <a:tc>
+                  <a:txBody>
+                    <a:bodyPr/>
+                    <a:lstStyle/>
+                    <a:p>
+                      <a:pPr algn="l" fontAlgn="b"/>
+                      <a:r>
+                        <a:rPr lang="en-US" sz="1600" u="none" strike="noStrike">
+                          <a:effectLst/>
+                        </a:rPr>
+                        <a:t>RESISTORS</a:t>
+                      </a:r>
+                      <a:endParaRPr lang="en-US" sz="1600" b="0" i="0" u="none" strike="noStrike">
+                        <a:solidFill>
+                          <a:srgbClr val="000000"/>
+                        </a:solidFill>
+                        <a:effectLst/>
+                        <a:latin typeface="Calibri" panose="020F0502020204030204" pitchFamily="34" charset="0"/>
+                      </a:endParaRPr>
+                    </a:p>
+                  </a:txBody>
+                  <a:tcPr marL="6873" marR="6873" marT="6873" marB="0" anchor="b"/>
+                </a:tc>
+                <a:tc>
+                  <a:txBody>
+                    <a:bodyPr/>
+                    <a:lstStyle/>
+                    <a:p>
+                      <a:pPr algn="l" fontAlgn="b"/>
+                      <a:r>
+                        <a:rPr lang="en-US" sz="1600" u="none" strike="noStrike">
+                          <a:effectLst/>
+                        </a:rPr>
+                        <a:t>Assorted: 10 kΩ, 4.7 kΩ, 1 kΩ, 220 Ω</a:t>
+                      </a:r>
+                      <a:endParaRPr lang="en-US" sz="1600" b="0" i="0" u="none" strike="noStrike">
+                        <a:solidFill>
+                          <a:srgbClr val="000000"/>
+                        </a:solidFill>
+                        <a:effectLst/>
+                        <a:latin typeface="Calibri" panose="020F0502020204030204" pitchFamily="34" charset="0"/>
+                      </a:endParaRPr>
+                    </a:p>
+                  </a:txBody>
+                  <a:tcPr marL="6873" marR="6873" marT="6873" marB="0" anchor="b"/>
+                </a:tc>
+                <a:tc>
+                  <a:txBody>
+                    <a:bodyPr/>
+                    <a:lstStyle/>
+                    <a:p>
+                      <a:pPr algn="r" fontAlgn="b"/>
+                      <a:r>
+                        <a:rPr lang="en-US" sz="1600" u="none" strike="noStrike">
+                          <a:effectLst/>
+                        </a:rPr>
+                        <a:t>10</a:t>
+                      </a:r>
+                      <a:endParaRPr lang="en-US" sz="1600" b="0" i="0" u="none" strike="noStrike">
+                        <a:solidFill>
+                          <a:srgbClr val="000000"/>
+                        </a:solidFill>
+                        <a:effectLst/>
+                        <a:latin typeface="Calibri" panose="020F0502020204030204" pitchFamily="34" charset="0"/>
+                      </a:endParaRPr>
+                    </a:p>
+                  </a:txBody>
+                  <a:tcPr marL="6873" marR="6873" marT="6873" marB="0" anchor="b"/>
+                </a:tc>
+                <a:tc>
+                  <a:txBody>
+                    <a:bodyPr/>
+                    <a:lstStyle/>
+                    <a:p>
+                      <a:pPr algn="r" fontAlgn="b"/>
+                      <a:r>
+                        <a:rPr lang="en-US" sz="1600" u="none" strike="noStrike">
+                          <a:effectLst/>
+                        </a:rPr>
+                        <a:t>20</a:t>
+                      </a:r>
+                      <a:endParaRPr lang="en-US" sz="1600" b="0" i="0" u="none" strike="noStrike">
+                        <a:solidFill>
+                          <a:srgbClr val="000000"/>
+                        </a:solidFill>
+                        <a:effectLst/>
+                        <a:latin typeface="Calibri" panose="020F0502020204030204" pitchFamily="34" charset="0"/>
+                      </a:endParaRPr>
+                    </a:p>
+                  </a:txBody>
+                  <a:tcPr marL="6873" marR="6873" marT="6873" marB="0" anchor="b"/>
+                </a:tc>
+                <a:tc>
+                  <a:txBody>
+                    <a:bodyPr/>
+                    <a:lstStyle/>
+                    <a:p>
+                      <a:pPr algn="r" fontAlgn="b"/>
+                      <a:r>
+                        <a:rPr lang="en-US" sz="1600" u="none" strike="noStrike">
+                          <a:effectLst/>
+                        </a:rPr>
+                        <a:t>200</a:t>
+                      </a:r>
+                      <a:endParaRPr lang="en-US" sz="1600" b="0" i="0" u="none" strike="noStrike">
+                        <a:solidFill>
+                          <a:srgbClr val="000000"/>
+                        </a:solidFill>
+                        <a:effectLst/>
+                        <a:latin typeface="Calibri" panose="020F0502020204030204" pitchFamily="34" charset="0"/>
+                      </a:endParaRPr>
+                    </a:p>
+                  </a:txBody>
+                  <a:tcPr marL="6873" marR="6873" marT="6873" marB="0" anchor="b"/>
+                </a:tc>
+                <a:extLst>
+                  <a:ext uri="{0D108BD9-81ED-4DB2-BD59-A6C34878D82A}">
+                    <a16:rowId xmlns:a16="http://schemas.microsoft.com/office/drawing/2014/main" val="3258545320"/>
+                  </a:ext>
+                </a:extLst>
+              </a:tr>
+              <a:tr h="211655">
+                <a:tc>
+                  <a:txBody>
+                    <a:bodyPr/>
+                    <a:lstStyle/>
+                    <a:p>
+                      <a:pPr algn="r" fontAlgn="b"/>
+                      <a:r>
+                        <a:rPr lang="en-US" sz="1600" u="none" strike="noStrike">
+                          <a:effectLst/>
+                        </a:rPr>
+                        <a:t>20</a:t>
+                      </a:r>
+                      <a:endParaRPr lang="en-US" sz="1600" b="0" i="0" u="none" strike="noStrike">
+                        <a:solidFill>
+                          <a:srgbClr val="000000"/>
+                        </a:solidFill>
+                        <a:effectLst/>
+                        <a:latin typeface="Calibri" panose="020F0502020204030204" pitchFamily="34" charset="0"/>
+                      </a:endParaRPr>
+                    </a:p>
+                  </a:txBody>
+                  <a:tcPr marL="6873" marR="6873" marT="6873" marB="0" anchor="b"/>
+                </a:tc>
+                <a:tc>
+                  <a:txBody>
+                    <a:bodyPr/>
+                    <a:lstStyle/>
+                    <a:p>
+                      <a:pPr algn="l" fontAlgn="b"/>
+                      <a:r>
+                        <a:rPr lang="en-US" sz="1600" u="none" strike="noStrike">
+                          <a:effectLst/>
+                        </a:rPr>
+                        <a:t>CAPACITORS</a:t>
+                      </a:r>
+                      <a:endParaRPr lang="en-US" sz="1600" b="0" i="0" u="none" strike="noStrike">
+                        <a:solidFill>
+                          <a:srgbClr val="000000"/>
+                        </a:solidFill>
+                        <a:effectLst/>
+                        <a:latin typeface="Calibri" panose="020F0502020204030204" pitchFamily="34" charset="0"/>
+                      </a:endParaRPr>
+                    </a:p>
+                  </a:txBody>
+                  <a:tcPr marL="6873" marR="6873" marT="6873" marB="0" anchor="b"/>
+                </a:tc>
+                <a:tc>
+                  <a:txBody>
+                    <a:bodyPr/>
+                    <a:lstStyle/>
+                    <a:p>
+                      <a:pPr algn="l" fontAlgn="b"/>
+                      <a:r>
+                        <a:rPr lang="en-US" sz="1600" u="none" strike="noStrike">
+                          <a:effectLst/>
+                        </a:rPr>
+                        <a:t>Decoupling and bulk: 100 µF, 10 µF, 0.1 µF</a:t>
+                      </a:r>
+                      <a:endParaRPr lang="en-US" sz="1600" b="0" i="0" u="none" strike="noStrike">
+                        <a:solidFill>
+                          <a:srgbClr val="000000"/>
+                        </a:solidFill>
+                        <a:effectLst/>
+                        <a:latin typeface="Calibri" panose="020F0502020204030204" pitchFamily="34" charset="0"/>
+                      </a:endParaRPr>
+                    </a:p>
+                  </a:txBody>
+                  <a:tcPr marL="6873" marR="6873" marT="6873" marB="0" anchor="b"/>
+                </a:tc>
+                <a:tc>
+                  <a:txBody>
+                    <a:bodyPr/>
+                    <a:lstStyle/>
+                    <a:p>
+                      <a:pPr algn="r" fontAlgn="b"/>
+                      <a:r>
+                        <a:rPr lang="en-US" sz="1600" u="none" strike="noStrike">
+                          <a:effectLst/>
+                        </a:rPr>
+                        <a:t>20</a:t>
+                      </a:r>
+                      <a:endParaRPr lang="en-US" sz="1600" b="0" i="0" u="none" strike="noStrike">
+                        <a:solidFill>
+                          <a:srgbClr val="000000"/>
+                        </a:solidFill>
+                        <a:effectLst/>
+                        <a:latin typeface="Calibri" panose="020F0502020204030204" pitchFamily="34" charset="0"/>
+                      </a:endParaRPr>
+                    </a:p>
+                  </a:txBody>
+                  <a:tcPr marL="6873" marR="6873" marT="6873" marB="0" anchor="b"/>
+                </a:tc>
+                <a:tc>
+                  <a:txBody>
+                    <a:bodyPr/>
+                    <a:lstStyle/>
+                    <a:p>
+                      <a:pPr algn="r" fontAlgn="b"/>
+                      <a:r>
+                        <a:rPr lang="en-US" sz="1600" u="none" strike="noStrike">
+                          <a:effectLst/>
+                        </a:rPr>
+                        <a:t>10</a:t>
+                      </a:r>
+                      <a:endParaRPr lang="en-US" sz="1600" b="0" i="0" u="none" strike="noStrike">
+                        <a:solidFill>
+                          <a:srgbClr val="000000"/>
+                        </a:solidFill>
+                        <a:effectLst/>
+                        <a:latin typeface="Calibri" panose="020F0502020204030204" pitchFamily="34" charset="0"/>
+                      </a:endParaRPr>
+                    </a:p>
+                  </a:txBody>
+                  <a:tcPr marL="6873" marR="6873" marT="6873" marB="0" anchor="b"/>
+                </a:tc>
+                <a:tc>
+                  <a:txBody>
+                    <a:bodyPr/>
+                    <a:lstStyle/>
+                    <a:p>
+                      <a:pPr algn="r" fontAlgn="b"/>
+                      <a:r>
+                        <a:rPr lang="en-US" sz="1600" u="none" strike="noStrike">
+                          <a:effectLst/>
+                        </a:rPr>
+                        <a:t>200</a:t>
+                      </a:r>
+                      <a:endParaRPr lang="en-US" sz="1600" b="0" i="0" u="none" strike="noStrike">
+                        <a:solidFill>
+                          <a:srgbClr val="000000"/>
+                        </a:solidFill>
+                        <a:effectLst/>
+                        <a:latin typeface="Calibri" panose="020F0502020204030204" pitchFamily="34" charset="0"/>
+                      </a:endParaRPr>
+                    </a:p>
+                  </a:txBody>
+                  <a:tcPr marL="6873" marR="6873" marT="6873" marB="0" anchor="b"/>
+                </a:tc>
+                <a:extLst>
+                  <a:ext uri="{0D108BD9-81ED-4DB2-BD59-A6C34878D82A}">
+                    <a16:rowId xmlns:a16="http://schemas.microsoft.com/office/drawing/2014/main" val="397450198"/>
+                  </a:ext>
+                </a:extLst>
+              </a:tr>
+              <a:tr h="211655">
+                <a:tc>
+                  <a:txBody>
+                    <a:bodyPr/>
+                    <a:lstStyle/>
+                    <a:p>
+                      <a:pPr algn="l" fontAlgn="b"/>
+                      <a:r>
+                        <a:rPr lang="en-US" sz="1600" u="none" strike="noStrike">
+                          <a:effectLst/>
+                        </a:rPr>
+                        <a:t> </a:t>
+                      </a:r>
+                      <a:endParaRPr lang="en-US" sz="1600" b="0" i="0" u="none" strike="noStrike">
+                        <a:solidFill>
+                          <a:srgbClr val="000000"/>
+                        </a:solidFill>
+                        <a:effectLst/>
+                        <a:latin typeface="Calibri" panose="020F0502020204030204" pitchFamily="34" charset="0"/>
+                      </a:endParaRPr>
+                    </a:p>
+                  </a:txBody>
+                  <a:tcPr marL="6873" marR="6873" marT="6873" marB="0" anchor="b"/>
+                </a:tc>
+                <a:tc>
+                  <a:txBody>
+                    <a:bodyPr/>
+                    <a:lstStyle/>
+                    <a:p>
+                      <a:pPr algn="l" fontAlgn="b"/>
+                      <a:r>
+                        <a:rPr lang="en-US" sz="1600" u="none" strike="noStrike">
+                          <a:effectLst/>
+                        </a:rPr>
+                        <a:t> </a:t>
+                      </a:r>
+                      <a:endParaRPr lang="en-US" sz="1600" b="0" i="0" u="none" strike="noStrike">
+                        <a:solidFill>
+                          <a:srgbClr val="000000"/>
+                        </a:solidFill>
+                        <a:effectLst/>
+                        <a:latin typeface="Calibri" panose="020F0502020204030204" pitchFamily="34" charset="0"/>
+                      </a:endParaRPr>
+                    </a:p>
+                  </a:txBody>
+                  <a:tcPr marL="6873" marR="6873" marT="6873" marB="0" anchor="b"/>
+                </a:tc>
+                <a:tc>
+                  <a:txBody>
+                    <a:bodyPr/>
+                    <a:lstStyle/>
+                    <a:p>
+                      <a:pPr algn="l" fontAlgn="b"/>
+                      <a:r>
+                        <a:rPr lang="en-US" sz="1600" u="none" strike="noStrike">
+                          <a:effectLst/>
+                        </a:rPr>
+                        <a:t> </a:t>
+                      </a:r>
+                      <a:endParaRPr lang="en-US" sz="1600" b="0" i="0" u="none" strike="noStrike">
+                        <a:solidFill>
+                          <a:srgbClr val="000000"/>
+                        </a:solidFill>
+                        <a:effectLst/>
+                        <a:latin typeface="Calibri" panose="020F0502020204030204" pitchFamily="34" charset="0"/>
+                      </a:endParaRPr>
+                    </a:p>
+                  </a:txBody>
+                  <a:tcPr marL="6873" marR="6873" marT="6873" marB="0" anchor="b"/>
+                </a:tc>
+                <a:tc>
+                  <a:txBody>
+                    <a:bodyPr/>
+                    <a:lstStyle/>
+                    <a:p>
+                      <a:pPr algn="l" fontAlgn="b"/>
+                      <a:r>
+                        <a:rPr lang="en-US" sz="1600" u="none" strike="noStrike">
+                          <a:effectLst/>
+                        </a:rPr>
+                        <a:t> </a:t>
+                      </a:r>
+                      <a:endParaRPr lang="en-US" sz="1600" b="0" i="0" u="none" strike="noStrike">
+                        <a:solidFill>
+                          <a:srgbClr val="000000"/>
+                        </a:solidFill>
+                        <a:effectLst/>
+                        <a:latin typeface="Calibri" panose="020F0502020204030204" pitchFamily="34" charset="0"/>
+                      </a:endParaRPr>
+                    </a:p>
+                  </a:txBody>
+                  <a:tcPr marL="6873" marR="6873" marT="6873" marB="0" anchor="b"/>
+                </a:tc>
+                <a:tc>
+                  <a:txBody>
+                    <a:bodyPr/>
+                    <a:lstStyle/>
+                    <a:p>
+                      <a:pPr algn="l" fontAlgn="b"/>
+                      <a:r>
+                        <a:rPr lang="en-US" sz="1600" u="none" strike="noStrike">
+                          <a:effectLst/>
+                        </a:rPr>
+                        <a:t> </a:t>
+                      </a:r>
+                      <a:endParaRPr lang="en-US" sz="1600" b="0" i="0" u="none" strike="noStrike">
+                        <a:solidFill>
+                          <a:srgbClr val="000000"/>
+                        </a:solidFill>
+                        <a:effectLst/>
+                        <a:latin typeface="Calibri" panose="020F0502020204030204" pitchFamily="34" charset="0"/>
+                      </a:endParaRPr>
+                    </a:p>
+                  </a:txBody>
+                  <a:tcPr marL="6873" marR="6873" marT="6873" marB="0" anchor="b"/>
+                </a:tc>
+                <a:tc>
+                  <a:txBody>
+                    <a:bodyPr/>
+                    <a:lstStyle/>
+                    <a:p>
+                      <a:pPr algn="l" fontAlgn="b"/>
+                      <a:r>
+                        <a:rPr lang="en-US" sz="1600" u="none" strike="noStrike">
+                          <a:effectLst/>
+                        </a:rPr>
+                        <a:t> </a:t>
+                      </a:r>
+                      <a:endParaRPr lang="en-US" sz="1600" b="0" i="0" u="none" strike="noStrike">
+                        <a:solidFill>
+                          <a:srgbClr val="000000"/>
+                        </a:solidFill>
+                        <a:effectLst/>
+                        <a:latin typeface="Calibri" panose="020F0502020204030204" pitchFamily="34" charset="0"/>
+                      </a:endParaRPr>
+                    </a:p>
+                  </a:txBody>
+                  <a:tcPr marL="6873" marR="6873" marT="6873" marB="0" anchor="b"/>
+                </a:tc>
+                <a:extLst>
+                  <a:ext uri="{0D108BD9-81ED-4DB2-BD59-A6C34878D82A}">
+                    <a16:rowId xmlns:a16="http://schemas.microsoft.com/office/drawing/2014/main" val="2578140661"/>
+                  </a:ext>
+                </a:extLst>
+              </a:tr>
+              <a:tr h="211655">
+                <a:tc>
+                  <a:txBody>
+                    <a:bodyPr/>
+                    <a:lstStyle/>
+                    <a:p>
+                      <a:pPr algn="l" fontAlgn="b"/>
+                      <a:r>
+                        <a:rPr lang="en-US" sz="1600" u="none" strike="noStrike">
+                          <a:effectLst/>
+                        </a:rPr>
+                        <a:t> </a:t>
+                      </a:r>
+                      <a:endParaRPr lang="en-US" sz="1600" b="0" i="0" u="none" strike="noStrike">
+                        <a:solidFill>
+                          <a:srgbClr val="000000"/>
+                        </a:solidFill>
+                        <a:effectLst/>
+                        <a:latin typeface="Calibri" panose="020F0502020204030204" pitchFamily="34" charset="0"/>
+                      </a:endParaRPr>
+                    </a:p>
+                  </a:txBody>
+                  <a:tcPr marL="6873" marR="6873" marT="6873" marB="0" anchor="b"/>
+                </a:tc>
+                <a:tc>
+                  <a:txBody>
+                    <a:bodyPr/>
+                    <a:lstStyle/>
+                    <a:p>
+                      <a:pPr algn="l" fontAlgn="b"/>
+                      <a:r>
+                        <a:rPr lang="en-US" sz="1600" u="none" strike="noStrike">
+                          <a:effectLst/>
+                        </a:rPr>
+                        <a:t> </a:t>
+                      </a:r>
+                      <a:endParaRPr lang="en-US" sz="1600" b="0" i="0" u="none" strike="noStrike">
+                        <a:solidFill>
+                          <a:srgbClr val="000000"/>
+                        </a:solidFill>
+                        <a:effectLst/>
+                        <a:latin typeface="Calibri" panose="020F0502020204030204" pitchFamily="34" charset="0"/>
+                      </a:endParaRPr>
+                    </a:p>
+                  </a:txBody>
+                  <a:tcPr marL="6873" marR="6873" marT="6873" marB="0" anchor="b"/>
+                </a:tc>
+                <a:tc>
+                  <a:txBody>
+                    <a:bodyPr/>
+                    <a:lstStyle/>
+                    <a:p>
+                      <a:pPr algn="l" fontAlgn="b"/>
+                      <a:r>
+                        <a:rPr lang="en-US" sz="1600" u="none" strike="noStrike">
+                          <a:effectLst/>
+                        </a:rPr>
+                        <a:t> </a:t>
+                      </a:r>
+                      <a:endParaRPr lang="en-US" sz="1600" b="0" i="0" u="none" strike="noStrike">
+                        <a:solidFill>
+                          <a:srgbClr val="000000"/>
+                        </a:solidFill>
+                        <a:effectLst/>
+                        <a:latin typeface="Calibri" panose="020F0502020204030204" pitchFamily="34" charset="0"/>
+                      </a:endParaRPr>
+                    </a:p>
+                  </a:txBody>
+                  <a:tcPr marL="6873" marR="6873" marT="6873" marB="0" anchor="b"/>
+                </a:tc>
+                <a:tc>
+                  <a:txBody>
+                    <a:bodyPr/>
+                    <a:lstStyle/>
+                    <a:p>
+                      <a:pPr algn="l" fontAlgn="b"/>
+                      <a:r>
+                        <a:rPr lang="en-US" sz="1600" u="none" strike="noStrike">
+                          <a:effectLst/>
+                        </a:rPr>
+                        <a:t> </a:t>
+                      </a:r>
+                      <a:endParaRPr lang="en-US" sz="1600" b="0" i="0" u="none" strike="noStrike">
+                        <a:solidFill>
+                          <a:srgbClr val="000000"/>
+                        </a:solidFill>
+                        <a:effectLst/>
+                        <a:latin typeface="Calibri" panose="020F0502020204030204" pitchFamily="34" charset="0"/>
+                      </a:endParaRPr>
+                    </a:p>
+                  </a:txBody>
+                  <a:tcPr marL="6873" marR="6873" marT="6873" marB="0" anchor="b"/>
+                </a:tc>
+                <a:tc>
+                  <a:txBody>
+                    <a:bodyPr/>
+                    <a:lstStyle/>
+                    <a:p>
+                      <a:pPr algn="l" fontAlgn="b"/>
+                      <a:r>
+                        <a:rPr lang="en-US" sz="1600" u="none" strike="noStrike">
+                          <a:effectLst/>
+                        </a:rPr>
+                        <a:t>TOTAL</a:t>
+                      </a:r>
+                      <a:endParaRPr lang="en-US" sz="1600" b="0" i="0" u="none" strike="noStrike">
+                        <a:solidFill>
+                          <a:srgbClr val="000000"/>
+                        </a:solidFill>
+                        <a:effectLst/>
+                        <a:latin typeface="Calibri" panose="020F0502020204030204" pitchFamily="34" charset="0"/>
+                      </a:endParaRPr>
+                    </a:p>
+                  </a:txBody>
+                  <a:tcPr marL="6873" marR="6873" marT="6873" marB="0" anchor="b"/>
+                </a:tc>
+                <a:tc>
+                  <a:txBody>
+                    <a:bodyPr/>
+                    <a:lstStyle/>
+                    <a:p>
+                      <a:pPr algn="r" fontAlgn="b"/>
+                      <a:r>
+                        <a:rPr lang="en-US" sz="1600" u="none" strike="noStrike" dirty="0">
+                          <a:effectLst/>
+                        </a:rPr>
+                        <a:t>17860</a:t>
+                      </a:r>
+                      <a:endParaRPr lang="en-US" sz="1600" b="0" i="0" u="none" strike="noStrike" dirty="0">
+                        <a:solidFill>
+                          <a:srgbClr val="000000"/>
+                        </a:solidFill>
+                        <a:effectLst/>
+                        <a:latin typeface="Calibri" panose="020F0502020204030204" pitchFamily="34" charset="0"/>
+                      </a:endParaRPr>
+                    </a:p>
+                  </a:txBody>
+                  <a:tcPr marL="6873" marR="6873" marT="6873" marB="0" anchor="b"/>
+                </a:tc>
+                <a:extLst>
+                  <a:ext uri="{0D108BD9-81ED-4DB2-BD59-A6C34878D82A}">
+                    <a16:rowId xmlns:a16="http://schemas.microsoft.com/office/drawing/2014/main" val="3857381806"/>
+                  </a:ext>
+                </a:extLst>
+              </a:tr>
+            </a:tbl>
+          </a:graphicData>
+        </a:graphic>
+      </p:graphicFrame>
+      <p:pic>
+        <p:nvPicPr>
+          <p:cNvPr id="6" name="Picture 5"/>
+          <p:cNvPicPr>
+            <a:picLocks noChangeAspect="1"/>
+          </p:cNvPicPr>
+          <p:nvPr/>
+        </p:nvPicPr>
+        <p:blipFill>
+          <a:blip r:embed="rId2">
+            <a:extLst>
+              <a:ext uri="{28A0092B-C50C-407E-A947-70E740481C1C}">
+                <a14:useLocalDpi xmlns:a14="http://schemas.microsoft.com/office/drawing/2010/main" val="0"/>
+              </a:ext>
+            </a:extLst>
+          </a:blip>
+          <a:stretch>
+            <a:fillRect/>
+          </a:stretch>
+        </p:blipFill>
+        <p:spPr>
+          <a:xfrm>
+            <a:off x="158496" y="548640"/>
+            <a:ext cx="2097025" cy="2243328"/>
+          </a:xfrm>
+          <a:prstGeom prst="rect">
+            <a:avLst/>
+          </a:prstGeom>
+        </p:spPr>
+      </p:pic>
+    </p:spTree>
+    <p:extLst>
+      <p:ext uri="{BB962C8B-B14F-4D97-AF65-F5344CB8AC3E}">
+        <p14:creationId xmlns:p14="http://schemas.microsoft.com/office/powerpoint/2010/main" val="1973118085"/>
+      </p:ext>
+    </p:extLst>
+  </p:cSld>
+  <p:clrMapOvr>
+    <a:masterClrMapping/>
+  </p:clrMapOvr>
+</p:sld>
+</file>
+
+<file path=ppt/slides/slide14.xml><?xml version="1.0" encoding="utf-8"?>
+<p:sld xmlns:a="http://schemas.openxmlformats.org/drawingml/2006/main" xmlns:r="http://schemas.openxmlformats.org/officeDocument/2006/relationships" xmlns:p="http://schemas.openxmlformats.org/presentationml/2006/main">
+  <p:cSld>
+    <p:spTree>
+      <p:nvGrpSpPr>
+        <p:cNvPr id="1" name=""/>
+        <p:cNvGrpSpPr/>
+        <p:nvPr/>
+      </p:nvGrpSpPr>
+      <p:grpSpPr>
+        <a:xfrm>
+          <a:off x="0" y="0"/>
+          <a:ext cx="0" cy="0"/>
+          <a:chOff x="0" y="0"/>
+          <a:chExt cx="0" cy="0"/>
+        </a:xfrm>
+      </p:grpSpPr>
       <p:sp>
         <p:nvSpPr>
           <p:cNvPr id="2" name="Title 1"/>
@@ -11554,7 +15022,7 @@
 </p:sld>
 </file>
 
-<file path=ppt/slides/slide14.xml><?xml version="1.0" encoding="utf-8"?>
+<file path=ppt/slides/slide15.xml><?xml version="1.0" encoding="utf-8"?>
 <p:sld xmlns:a="http://schemas.openxmlformats.org/drawingml/2006/main" xmlns:r="http://schemas.openxmlformats.org/officeDocument/2006/relationships" xmlns:p="http://schemas.openxmlformats.org/presentationml/2006/main">
   <p:cSld>
     <p:bg>
